--- a/Lectures/B5.a_R-AdvancedPlotting.pptx
+++ b/Lectures/B5.a_R-AdvancedPlotting.pptx
@@ -30,6 +30,7 @@
     <p:sldId id="274" r:id="rId25"/>
     <p:sldId id="275" r:id="rId26"/>
     <p:sldId id="276" r:id="rId27"/>
+    <p:sldId id="277" r:id="rId28"/>
   </p:sldIdLst>
   <p:sldSz cy="5143500" cx="9144000"/>
   <p:notesSz cx="6858000" cy="9144000"/>
@@ -829,7 +830,7 @@
   <p:cSld>
     <p:spTree>
       <p:nvGrpSpPr>
-        <p:cNvPr id="162" name="Shape 162"/>
+        <p:cNvPr id="161" name="Shape 161"/>
         <p:cNvGrpSpPr/>
         <p:nvPr/>
       </p:nvGrpSpPr>
@@ -843,7 +844,7 @@
       </p:grpSpPr>
       <p:sp>
         <p:nvSpPr>
-          <p:cNvPr id="163" name="Google Shape;163;g5390206eee_0_544:notes"/>
+          <p:cNvPr id="162" name="Google Shape;162;g5390206eee_0_114:notes"/>
           <p:cNvSpPr/>
           <p:nvPr>
             <p:ph idx="2" type="sldImg"/>
@@ -888,7 +889,7 @@
       </p:sp>
       <p:sp>
         <p:nvSpPr>
-          <p:cNvPr id="164" name="Google Shape;164;g5390206eee_0_544:notes"/>
+          <p:cNvPr id="163" name="Google Shape;163;g5390206eee_0_114:notes"/>
           <p:cNvSpPr txBox="1"/>
           <p:nvPr>
             <p:ph idx="1" type="body"/>
@@ -927,8 +928,7 @@
               <a:buNone/>
             </a:pPr>
             <a:r>
-              <a:rPr lang="en"/>
-              <a:t>Want to know if you encounter unwelcoming behavior outside or inside classroom</a:t>
+              <a:t/>
             </a:r>
             <a:endParaRPr/>
           </a:p>
@@ -961,7 +961,7 @@
       </p:grpSpPr>
       <p:sp>
         <p:nvSpPr>
-          <p:cNvPr id="170" name="Google Shape;170;g5390206eee_0_173:notes"/>
+          <p:cNvPr id="170" name="Google Shape;170;g5390206eee_0_544:notes"/>
           <p:cNvSpPr/>
           <p:nvPr>
             <p:ph idx="2" type="sldImg"/>
@@ -1006,7 +1006,7 @@
       </p:sp>
       <p:sp>
         <p:nvSpPr>
-          <p:cNvPr id="171" name="Google Shape;171;g5390206eee_0_173:notes"/>
+          <p:cNvPr id="171" name="Google Shape;171;g5390206eee_0_544:notes"/>
           <p:cNvSpPr txBox="1"/>
           <p:nvPr>
             <p:ph idx="1" type="body"/>
@@ -1045,7 +1045,8 @@
               <a:buNone/>
             </a:pPr>
             <a:r>
-              <a:t/>
+              <a:rPr lang="en"/>
+              <a:t>Want to know if you encounter unwelcoming behavior outside or inside classroom</a:t>
             </a:r>
             <a:endParaRPr/>
           </a:p>
@@ -1078,7 +1079,7 @@
       </p:grpSpPr>
       <p:sp>
         <p:nvSpPr>
-          <p:cNvPr id="177" name="Google Shape;177;g5390206eee_0_425:notes"/>
+          <p:cNvPr id="177" name="Google Shape;177;g5390206eee_0_173:notes"/>
           <p:cNvSpPr/>
           <p:nvPr>
             <p:ph idx="2" type="sldImg"/>
@@ -1123,7 +1124,7 @@
       </p:sp>
       <p:sp>
         <p:nvSpPr>
-          <p:cNvPr id="178" name="Google Shape;178;g5390206eee_0_425:notes"/>
+          <p:cNvPr id="178" name="Google Shape;178;g5390206eee_0_173:notes"/>
           <p:cNvSpPr txBox="1"/>
           <p:nvPr>
             <p:ph idx="1" type="body"/>
@@ -1181,7 +1182,7 @@
   <p:cSld>
     <p:spTree>
       <p:nvGrpSpPr>
-        <p:cNvPr id="182" name="Shape 182"/>
+        <p:cNvPr id="183" name="Shape 183"/>
         <p:cNvGrpSpPr/>
         <p:nvPr/>
       </p:nvGrpSpPr>
@@ -1195,7 +1196,7 @@
       </p:grpSpPr>
       <p:sp>
         <p:nvSpPr>
-          <p:cNvPr id="183" name="Google Shape;183;g5390206eee_0_431:notes"/>
+          <p:cNvPr id="184" name="Google Shape;184;g5390206eee_0_425:notes"/>
           <p:cNvSpPr/>
           <p:nvPr>
             <p:ph idx="2" type="sldImg"/>
@@ -1240,7 +1241,7 @@
       </p:sp>
       <p:sp>
         <p:nvSpPr>
-          <p:cNvPr id="184" name="Google Shape;184;g5390206eee_0_431:notes"/>
+          <p:cNvPr id="185" name="Google Shape;185;g5390206eee_0_425:notes"/>
           <p:cNvSpPr txBox="1"/>
           <p:nvPr>
             <p:ph idx="1" type="body"/>
@@ -1298,7 +1299,7 @@
   <p:cSld>
     <p:spTree>
       <p:nvGrpSpPr>
-        <p:cNvPr id="190" name="Shape 190"/>
+        <p:cNvPr id="189" name="Shape 189"/>
         <p:cNvGrpSpPr/>
         <p:nvPr/>
       </p:nvGrpSpPr>
@@ -1312,7 +1313,7 @@
       </p:grpSpPr>
       <p:sp>
         <p:nvSpPr>
-          <p:cNvPr id="191" name="Google Shape;191;g5390206eee_0_437:notes"/>
+          <p:cNvPr id="190" name="Google Shape;190;g5390206eee_0_431:notes"/>
           <p:cNvSpPr/>
           <p:nvPr>
             <p:ph idx="2" type="sldImg"/>
@@ -1357,7 +1358,7 @@
       </p:sp>
       <p:sp>
         <p:nvSpPr>
-          <p:cNvPr id="192" name="Google Shape;192;g5390206eee_0_437:notes"/>
+          <p:cNvPr id="191" name="Google Shape;191;g5390206eee_0_431:notes"/>
           <p:cNvSpPr txBox="1"/>
           <p:nvPr>
             <p:ph idx="1" type="body"/>
@@ -1429,7 +1430,7 @@
       </p:grpSpPr>
       <p:sp>
         <p:nvSpPr>
-          <p:cNvPr id="198" name="Google Shape;198;g5390206eee_0_451:notes"/>
+          <p:cNvPr id="198" name="Google Shape;198;g5390206eee_0_437:notes"/>
           <p:cNvSpPr/>
           <p:nvPr>
             <p:ph idx="2" type="sldImg"/>
@@ -1474,7 +1475,7 @@
       </p:sp>
       <p:sp>
         <p:nvSpPr>
-          <p:cNvPr id="199" name="Google Shape;199;g5390206eee_0_451:notes"/>
+          <p:cNvPr id="199" name="Google Shape;199;g5390206eee_0_437:notes"/>
           <p:cNvSpPr txBox="1"/>
           <p:nvPr>
             <p:ph idx="1" type="body"/>
@@ -1532,7 +1533,7 @@
   <p:cSld>
     <p:spTree>
       <p:nvGrpSpPr>
-        <p:cNvPr id="203" name="Shape 203"/>
+        <p:cNvPr id="204" name="Shape 204"/>
         <p:cNvGrpSpPr/>
         <p:nvPr/>
       </p:nvGrpSpPr>
@@ -1546,7 +1547,7 @@
       </p:grpSpPr>
       <p:sp>
         <p:nvSpPr>
-          <p:cNvPr id="204" name="Google Shape;204;g5390206eee_0_462:notes"/>
+          <p:cNvPr id="205" name="Google Shape;205;g5390206eee_0_451:notes"/>
           <p:cNvSpPr/>
           <p:nvPr>
             <p:ph idx="2" type="sldImg"/>
@@ -1591,7 +1592,7 @@
       </p:sp>
       <p:sp>
         <p:nvSpPr>
-          <p:cNvPr id="205" name="Google Shape;205;g5390206eee_0_462:notes"/>
+          <p:cNvPr id="206" name="Google Shape;206;g5390206eee_0_451:notes"/>
           <p:cNvSpPr txBox="1"/>
           <p:nvPr>
             <p:ph idx="1" type="body"/>
@@ -1649,7 +1650,7 @@
   <p:cSld>
     <p:spTree>
       <p:nvGrpSpPr>
-        <p:cNvPr id="211" name="Shape 211"/>
+        <p:cNvPr id="210" name="Shape 210"/>
         <p:cNvGrpSpPr/>
         <p:nvPr/>
       </p:nvGrpSpPr>
@@ -1663,7 +1664,7 @@
       </p:grpSpPr>
       <p:sp>
         <p:nvSpPr>
-          <p:cNvPr id="212" name="Google Shape;212;g5390206eee_0_469:notes"/>
+          <p:cNvPr id="211" name="Google Shape;211;g5390206eee_0_462:notes"/>
           <p:cNvSpPr/>
           <p:nvPr>
             <p:ph idx="2" type="sldImg"/>
@@ -1708,7 +1709,7 @@
       </p:sp>
       <p:sp>
         <p:nvSpPr>
-          <p:cNvPr id="213" name="Google Shape;213;g5390206eee_0_469:notes"/>
+          <p:cNvPr id="212" name="Google Shape;212;g5390206eee_0_462:notes"/>
           <p:cNvSpPr txBox="1"/>
           <p:nvPr>
             <p:ph idx="1" type="body"/>
@@ -1766,7 +1767,7 @@
   <p:cSld>
     <p:spTree>
       <p:nvGrpSpPr>
-        <p:cNvPr id="219" name="Shape 219"/>
+        <p:cNvPr id="218" name="Shape 218"/>
         <p:cNvGrpSpPr/>
         <p:nvPr/>
       </p:nvGrpSpPr>
@@ -1780,7 +1781,7 @@
       </p:grpSpPr>
       <p:sp>
         <p:nvSpPr>
-          <p:cNvPr id="220" name="Google Shape;220;g5390206eee_0_476:notes"/>
+          <p:cNvPr id="219" name="Google Shape;219;g5390206eee_0_469:notes"/>
           <p:cNvSpPr/>
           <p:nvPr>
             <p:ph idx="2" type="sldImg"/>
@@ -1825,7 +1826,7 @@
       </p:sp>
       <p:sp>
         <p:nvSpPr>
-          <p:cNvPr id="221" name="Google Shape;221;g5390206eee_0_476:notes"/>
+          <p:cNvPr id="220" name="Google Shape;220;g5390206eee_0_469:notes"/>
           <p:cNvSpPr txBox="1"/>
           <p:nvPr>
             <p:ph idx="1" type="body"/>
@@ -1883,7 +1884,7 @@
   <p:cSld>
     <p:spTree>
       <p:nvGrpSpPr>
-        <p:cNvPr id="227" name="Shape 227"/>
+        <p:cNvPr id="226" name="Shape 226"/>
         <p:cNvGrpSpPr/>
         <p:nvPr/>
       </p:nvGrpSpPr>
@@ -1897,7 +1898,7 @@
       </p:grpSpPr>
       <p:sp>
         <p:nvSpPr>
-          <p:cNvPr id="228" name="Google Shape;228;g5390206eee_0_483:notes"/>
+          <p:cNvPr id="227" name="Google Shape;227;g5390206eee_0_476:notes"/>
           <p:cNvSpPr/>
           <p:nvPr>
             <p:ph idx="2" type="sldImg"/>
@@ -1942,7 +1943,7 @@
       </p:sp>
       <p:sp>
         <p:nvSpPr>
-          <p:cNvPr id="229" name="Google Shape;229;g5390206eee_0_483:notes"/>
+          <p:cNvPr id="228" name="Google Shape;228;g5390206eee_0_476:notes"/>
           <p:cNvSpPr txBox="1"/>
           <p:nvPr>
             <p:ph idx="1" type="body"/>
@@ -2117,7 +2118,7 @@
   <p:cSld>
     <p:spTree>
       <p:nvGrpSpPr>
-        <p:cNvPr id="235" name="Shape 235"/>
+        <p:cNvPr id="234" name="Shape 234"/>
         <p:cNvGrpSpPr/>
         <p:nvPr/>
       </p:nvGrpSpPr>
@@ -2131,7 +2132,7 @@
       </p:grpSpPr>
       <p:sp>
         <p:nvSpPr>
-          <p:cNvPr id="236" name="Google Shape;236;g5390206eee_0_121:notes"/>
+          <p:cNvPr id="235" name="Google Shape;235;g5390206eee_0_483:notes"/>
           <p:cNvSpPr/>
           <p:nvPr>
             <p:ph idx="2" type="sldImg"/>
@@ -2176,7 +2177,7 @@
       </p:sp>
       <p:sp>
         <p:nvSpPr>
-          <p:cNvPr id="237" name="Google Shape;237;g5390206eee_0_121:notes"/>
+          <p:cNvPr id="236" name="Google Shape;236;g5390206eee_0_483:notes"/>
           <p:cNvSpPr txBox="1"/>
           <p:nvPr>
             <p:ph idx="1" type="body"/>
@@ -2234,7 +2235,7 @@
   <p:cSld>
     <p:spTree>
       <p:nvGrpSpPr>
-        <p:cNvPr id="243" name="Shape 243"/>
+        <p:cNvPr id="242" name="Shape 242"/>
         <p:cNvGrpSpPr/>
         <p:nvPr/>
       </p:nvGrpSpPr>
@@ -2248,7 +2249,7 @@
       </p:grpSpPr>
       <p:sp>
         <p:nvSpPr>
-          <p:cNvPr id="244" name="Google Shape;244;g5390206eee_0_599:notes"/>
+          <p:cNvPr id="243" name="Google Shape;243;g5390206eee_0_121:notes"/>
           <p:cNvSpPr/>
           <p:nvPr>
             <p:ph idx="2" type="sldImg"/>
@@ -2293,7 +2294,124 @@
       </p:sp>
       <p:sp>
         <p:nvSpPr>
-          <p:cNvPr id="245" name="Google Shape;245;g5390206eee_0_599:notes"/>
+          <p:cNvPr id="244" name="Google Shape;244;g5390206eee_0_121:notes"/>
+          <p:cNvSpPr txBox="1"/>
+          <p:nvPr>
+            <p:ph idx="1" type="body"/>
+          </p:nvPr>
+        </p:nvSpPr>
+        <p:spPr>
+          <a:xfrm>
+            <a:off x="685800" y="4343400"/>
+            <a:ext cx="5486400" cy="4114800"/>
+          </a:xfrm>
+          <a:prstGeom prst="rect">
+            <a:avLst/>
+          </a:prstGeom>
+          <a:noFill/>
+          <a:ln>
+            <a:noFill/>
+          </a:ln>
+        </p:spPr>
+        <p:txBody>
+          <a:bodyPr anchorCtr="0" anchor="t" bIns="91425" lIns="91425" spcFirstLastPara="1" rIns="91425" wrap="square" tIns="91425">
+            <a:noAutofit/>
+          </a:bodyPr>
+          <a:lstStyle/>
+          <a:p>
+            <a:pPr indent="0" lvl="0" marL="0" rtl="0" algn="l">
+              <a:lnSpc>
+                <a:spcPct val="100000"/>
+              </a:lnSpc>
+              <a:spcBef>
+                <a:spcPts val="0"/>
+              </a:spcBef>
+              <a:spcAft>
+                <a:spcPts val="0"/>
+              </a:spcAft>
+              <a:buSzPts val="1100"/>
+              <a:buNone/>
+            </a:pPr>
+            <a:r>
+              <a:t/>
+            </a:r>
+            <a:endParaRPr/>
+          </a:p>
+        </p:txBody>
+      </p:sp>
+    </p:spTree>
+  </p:cSld>
+  <p:clrMapOvr>
+    <a:masterClrMapping/>
+  </p:clrMapOvr>
+</p:notes>
+</file>
+
+<file path=ppt/notesSlides/notesSlide22.xml><?xml version="1.0" encoding="utf-8"?>
+<p:notes xmlns:a="http://schemas.openxmlformats.org/drawingml/2006/main" xmlns:r="http://schemas.openxmlformats.org/officeDocument/2006/relationships" xmlns:mc="http://schemas.openxmlformats.org/markup-compatibility/2006" xmlns:mv="urn:schemas-microsoft-com:mac:vml" xmlns:p="http://schemas.openxmlformats.org/presentationml/2006/main" xmlns:c="http://schemas.openxmlformats.org/drawingml/2006/chart" xmlns:dgm="http://schemas.openxmlformats.org/drawingml/2006/diagram" xmlns:o="urn:schemas-microsoft-com:office:office" xmlns:v="urn:schemas-microsoft-com:vml" xmlns:pvml="urn:schemas-microsoft-com:office:powerpoint" xmlns:com="http://schemas.openxmlformats.org/drawingml/2006/compatibility" xmlns:p14="http://schemas.microsoft.com/office/powerpoint/2010/main" xmlns:p15="http://schemas.microsoft.com/office/powerpoint/2012/main" xmlns:ahyp="http://schemas.microsoft.com/office/drawing/2018/hyperlinkcolor" showMasterPhAnim="0" showMasterSp="0">
+  <p:cSld>
+    <p:spTree>
+      <p:nvGrpSpPr>
+        <p:cNvPr id="250" name="Shape 250"/>
+        <p:cNvGrpSpPr/>
+        <p:nvPr/>
+      </p:nvGrpSpPr>
+      <p:grpSpPr>
+        <a:xfrm>
+          <a:off x="0" y="0"/>
+          <a:ext cx="0" cy="0"/>
+          <a:chOff x="0" y="0"/>
+          <a:chExt cx="0" cy="0"/>
+        </a:xfrm>
+      </p:grpSpPr>
+      <p:sp>
+        <p:nvSpPr>
+          <p:cNvPr id="251" name="Google Shape;251;g5390206eee_0_599:notes"/>
+          <p:cNvSpPr/>
+          <p:nvPr>
+            <p:ph idx="2" type="sldImg"/>
+          </p:nvPr>
+        </p:nvSpPr>
+        <p:spPr>
+          <a:xfrm>
+            <a:off x="381300" y="685800"/>
+            <a:ext cx="6096000" cy="3429000"/>
+          </a:xfrm>
+          <a:custGeom>
+            <a:rect b="b" l="l" r="r" t="t"/>
+            <a:pathLst>
+              <a:path extrusionOk="0" h="120000" w="120000">
+                <a:moveTo>
+                  <a:pt x="0" y="0"/>
+                </a:moveTo>
+                <a:lnTo>
+                  <a:pt x="120000" y="0"/>
+                </a:lnTo>
+                <a:lnTo>
+                  <a:pt x="120000" y="120000"/>
+                </a:lnTo>
+                <a:lnTo>
+                  <a:pt x="0" y="120000"/>
+                </a:lnTo>
+                <a:close/>
+              </a:path>
+            </a:pathLst>
+          </a:custGeom>
+          <a:noFill/>
+          <a:ln cap="flat" cmpd="sng" w="9525">
+            <a:solidFill>
+              <a:srgbClr val="000000"/>
+            </a:solidFill>
+            <a:prstDash val="solid"/>
+            <a:round/>
+            <a:headEnd len="sm" w="sm" type="none"/>
+            <a:tailEnd len="sm" w="sm" type="none"/>
+          </a:ln>
+        </p:spPr>
+      </p:sp>
+      <p:sp>
+        <p:nvSpPr>
+          <p:cNvPr id="252" name="Google Shape;252;g5390206eee_0_599:notes"/>
           <p:cNvSpPr txBox="1"/>
           <p:nvPr>
             <p:ph idx="1" type="body"/>
@@ -2600,7 +2718,7 @@
       </p:grpSpPr>
       <p:sp>
         <p:nvSpPr>
-          <p:cNvPr id="127" name="Google Shape;127;g5390206eee_0_254:notes"/>
+          <p:cNvPr id="127" name="Google Shape;127;g5390206eee_0_605:notes"/>
           <p:cNvSpPr/>
           <p:nvPr>
             <p:ph idx="2" type="sldImg"/>
@@ -2645,7 +2763,7 @@
       </p:sp>
       <p:sp>
         <p:nvSpPr>
-          <p:cNvPr id="128" name="Google Shape;128;g5390206eee_0_254:notes"/>
+          <p:cNvPr id="128" name="Google Shape;128;g5390206eee_0_605:notes"/>
           <p:cNvSpPr txBox="1"/>
           <p:nvPr>
             <p:ph idx="1" type="body"/>
@@ -2684,7 +2802,8 @@
               <a:buNone/>
             </a:pPr>
             <a:r>
-              <a:t/>
+              <a:rPr lang="en"/>
+              <a:t>Want to know if you encounter unwelcoming behavior outside or inside classroom</a:t>
             </a:r>
             <a:endParaRPr/>
           </a:p>
@@ -2717,7 +2836,7 @@
       </p:grpSpPr>
       <p:sp>
         <p:nvSpPr>
-          <p:cNvPr id="134" name="Google Shape;134;g5390206eee_0_230:notes"/>
+          <p:cNvPr id="134" name="Google Shape;134;g5390206eee_0_254:notes"/>
           <p:cNvSpPr/>
           <p:nvPr>
             <p:ph idx="2" type="sldImg"/>
@@ -2762,7 +2881,7 @@
       </p:sp>
       <p:sp>
         <p:nvSpPr>
-          <p:cNvPr id="135" name="Google Shape;135;g5390206eee_0_230:notes"/>
+          <p:cNvPr id="135" name="Google Shape;135;g5390206eee_0_254:notes"/>
           <p:cNvSpPr txBox="1"/>
           <p:nvPr>
             <p:ph idx="1" type="body"/>
@@ -2834,7 +2953,7 @@
       </p:grpSpPr>
       <p:sp>
         <p:nvSpPr>
-          <p:cNvPr id="141" name="Google Shape;141;g5390206eee_0_362:notes"/>
+          <p:cNvPr id="141" name="Google Shape;141;g5390206eee_0_230:notes"/>
           <p:cNvSpPr/>
           <p:nvPr>
             <p:ph idx="2" type="sldImg"/>
@@ -2879,7 +2998,7 @@
       </p:sp>
       <p:sp>
         <p:nvSpPr>
-          <p:cNvPr id="142" name="Google Shape;142;g5390206eee_0_362:notes"/>
+          <p:cNvPr id="142" name="Google Shape;142;g5390206eee_0_230:notes"/>
           <p:cNvSpPr txBox="1"/>
           <p:nvPr>
             <p:ph idx="1" type="body"/>
@@ -2918,8 +3037,7 @@
               <a:buNone/>
             </a:pPr>
             <a:r>
-              <a:rPr lang="en"/>
-              <a:t>Want to know if you encounter unwelcoming behavior outside or inside classroom</a:t>
+              <a:t/>
             </a:r>
             <a:endParaRPr/>
           </a:p>
@@ -2952,7 +3070,7 @@
       </p:grpSpPr>
       <p:sp>
         <p:nvSpPr>
-          <p:cNvPr id="148" name="Google Shape;148;g5390206eee_0_108:notes"/>
+          <p:cNvPr id="148" name="Google Shape;148;g5390206eee_0_362:notes"/>
           <p:cNvSpPr/>
           <p:nvPr>
             <p:ph idx="2" type="sldImg"/>
@@ -2997,7 +3115,7 @@
       </p:sp>
       <p:sp>
         <p:nvSpPr>
-          <p:cNvPr id="149" name="Google Shape;149;g5390206eee_0_108:notes"/>
+          <p:cNvPr id="149" name="Google Shape;149;g5390206eee_0_362:notes"/>
           <p:cNvSpPr txBox="1"/>
           <p:nvPr>
             <p:ph idx="1" type="body"/>
@@ -3036,7 +3154,8 @@
               <a:buNone/>
             </a:pPr>
             <a:r>
-              <a:t/>
+              <a:rPr lang="en"/>
+              <a:t>Want to know if you encounter unwelcoming behavior outside or inside classroom</a:t>
             </a:r>
             <a:endParaRPr/>
           </a:p>
@@ -3069,7 +3188,7 @@
       </p:grpSpPr>
       <p:sp>
         <p:nvSpPr>
-          <p:cNvPr id="155" name="Google Shape;155;g5390206eee_0_114:notes"/>
+          <p:cNvPr id="155" name="Google Shape;155;g5390206eee_0_108:notes"/>
           <p:cNvSpPr/>
           <p:nvPr>
             <p:ph idx="2" type="sldImg"/>
@@ -3114,7 +3233,7 @@
       </p:sp>
       <p:sp>
         <p:nvSpPr>
-          <p:cNvPr id="156" name="Google Shape;156;g5390206eee_0_114:notes"/>
+          <p:cNvPr id="156" name="Google Shape;156;g5390206eee_0_108:notes"/>
           <p:cNvSpPr txBox="1"/>
           <p:nvPr>
             <p:ph idx="1" type="body"/>
@@ -15749,7 +15868,7 @@
   <p:cSld>
     <p:spTree>
       <p:nvGrpSpPr>
-        <p:cNvPr id="165" name="Shape 165"/>
+        <p:cNvPr id="164" name="Shape 164"/>
         <p:cNvGrpSpPr/>
         <p:nvPr/>
       </p:nvGrpSpPr>
@@ -15763,7 +15882,295 @@
       </p:grpSpPr>
       <p:sp>
         <p:nvSpPr>
+          <p:cNvPr id="165" name="Google Shape;165;p34"/>
+          <p:cNvSpPr/>
+          <p:nvPr/>
+        </p:nvSpPr>
+        <p:spPr>
+          <a:xfrm>
+            <a:off x="311700" y="347100"/>
+            <a:ext cx="8520600" cy="4449300"/>
+          </a:xfrm>
+          <a:prstGeom prst="rect">
+            <a:avLst/>
+          </a:prstGeom>
+          <a:solidFill>
+            <a:srgbClr val="A4C2F4"/>
+          </a:solidFill>
+          <a:ln>
+            <a:noFill/>
+          </a:ln>
+        </p:spPr>
+        <p:txBody>
+          <a:bodyPr anchorCtr="0" anchor="ctr" bIns="91425" lIns="91425" spcFirstLastPara="1" rIns="91425" wrap="square" tIns="91425">
+            <a:noAutofit/>
+          </a:bodyPr>
+          <a:lstStyle/>
+          <a:p>
+            <a:pPr indent="0" lvl="0" marL="0" marR="0" rtl="0" algn="l">
+              <a:lnSpc>
+                <a:spcPct val="100000"/>
+              </a:lnSpc>
+              <a:spcBef>
+                <a:spcPts val="0"/>
+              </a:spcBef>
+              <a:spcAft>
+                <a:spcPts val="0"/>
+              </a:spcAft>
+              <a:buClr>
+                <a:srgbClr val="000000"/>
+              </a:buClr>
+              <a:buSzPts val="1400"/>
+              <a:buFont typeface="Arial"/>
+              <a:buNone/>
+            </a:pPr>
+            <a:r>
+              <a:t/>
+            </a:r>
+            <a:endParaRPr b="0" i="0" sz="1400" u="none" cap="none" strike="noStrike">
+              <a:solidFill>
+                <a:srgbClr val="000000"/>
+              </a:solidFill>
+              <a:latin typeface="Arial"/>
+              <a:ea typeface="Arial"/>
+              <a:cs typeface="Arial"/>
+              <a:sym typeface="Arial"/>
+            </a:endParaRPr>
+          </a:p>
+        </p:txBody>
+      </p:sp>
+      <p:sp>
+        <p:nvSpPr>
           <p:cNvPr id="166" name="Google Shape;166;p34"/>
+          <p:cNvSpPr txBox="1"/>
+          <p:nvPr>
+            <p:ph type="title"/>
+          </p:nvPr>
+        </p:nvSpPr>
+        <p:spPr>
+          <a:xfrm>
+            <a:off x="372850" y="436600"/>
+            <a:ext cx="8520600" cy="3493500"/>
+          </a:xfrm>
+          <a:prstGeom prst="rect">
+            <a:avLst/>
+          </a:prstGeom>
+          <a:noFill/>
+          <a:ln>
+            <a:noFill/>
+          </a:ln>
+        </p:spPr>
+        <p:txBody>
+          <a:bodyPr anchorCtr="0" anchor="t" bIns="91425" lIns="91425" spcFirstLastPara="1" rIns="91425" wrap="square" tIns="91425">
+            <a:noAutofit/>
+          </a:bodyPr>
+          <a:lstStyle/>
+          <a:p>
+            <a:pPr indent="0" lvl="0" marL="0" rtl="0" algn="l">
+              <a:lnSpc>
+                <a:spcPct val="100000"/>
+              </a:lnSpc>
+              <a:spcBef>
+                <a:spcPts val="0"/>
+              </a:spcBef>
+              <a:spcAft>
+                <a:spcPts val="0"/>
+              </a:spcAft>
+              <a:buSzPts val="2800"/>
+              <a:buNone/>
+            </a:pPr>
+            <a:r>
+              <a:rPr b="1" lang="en">
+                <a:solidFill>
+                  <a:srgbClr val="434343"/>
+                </a:solidFill>
+              </a:rPr>
+              <a:t>B</a:t>
+            </a:r>
+            <a:r>
+              <a:rPr b="1" lang="en">
+                <a:solidFill>
+                  <a:srgbClr val="434343"/>
+                </a:solidFill>
+              </a:rPr>
+              <a:t>5.aa</a:t>
+            </a:r>
+            <a:r>
+              <a:rPr lang="en">
+                <a:solidFill>
+                  <a:srgbClr val="434343"/>
+                </a:solidFill>
+              </a:rPr>
+              <a:t>: </a:t>
+            </a:r>
+            <a:r>
+              <a:rPr b="1" lang="en">
+                <a:solidFill>
+                  <a:srgbClr val="434343"/>
+                </a:solidFill>
+              </a:rPr>
+              <a:t>Code Review</a:t>
+            </a:r>
+            <a:endParaRPr>
+              <a:solidFill>
+                <a:srgbClr val="434343"/>
+              </a:solidFill>
+            </a:endParaRPr>
+          </a:p>
+          <a:p>
+            <a:pPr indent="0" lvl="0" marL="0" rtl="0" algn="l">
+              <a:lnSpc>
+                <a:spcPct val="100000"/>
+              </a:lnSpc>
+              <a:spcBef>
+                <a:spcPts val="0"/>
+              </a:spcBef>
+              <a:spcAft>
+                <a:spcPts val="0"/>
+              </a:spcAft>
+              <a:buSzPts val="2800"/>
+              <a:buNone/>
+            </a:pPr>
+            <a:br>
+              <a:rPr lang="en" sz="2200">
+                <a:solidFill>
+                  <a:schemeClr val="dk2"/>
+                </a:solidFill>
+              </a:rPr>
+            </a:br>
+            <a:br>
+              <a:rPr lang="en" sz="2200">
+                <a:solidFill>
+                  <a:schemeClr val="dk2"/>
+                </a:solidFill>
+              </a:rPr>
+            </a:br>
+            <a:endParaRPr sz="2200">
+              <a:solidFill>
+                <a:schemeClr val="dk2"/>
+              </a:solidFill>
+            </a:endParaRPr>
+          </a:p>
+          <a:p>
+            <a:pPr indent="0" lvl="0" marL="0" rtl="0" algn="l">
+              <a:lnSpc>
+                <a:spcPct val="100000"/>
+              </a:lnSpc>
+              <a:spcBef>
+                <a:spcPts val="0"/>
+              </a:spcBef>
+              <a:spcAft>
+                <a:spcPts val="0"/>
+              </a:spcAft>
+              <a:buSzPts val="2800"/>
+              <a:buNone/>
+            </a:pPr>
+            <a:r>
+              <a:t/>
+            </a:r>
+            <a:endParaRPr sz="2200">
+              <a:solidFill>
+                <a:schemeClr val="dk2"/>
+              </a:solidFill>
+            </a:endParaRPr>
+          </a:p>
+        </p:txBody>
+      </p:sp>
+      <p:sp>
+        <p:nvSpPr>
+          <p:cNvPr id="167" name="Google Shape;167;p34"/>
+          <p:cNvSpPr txBox="1"/>
+          <p:nvPr>
+            <p:ph idx="12" type="sldNum"/>
+          </p:nvPr>
+        </p:nvSpPr>
+        <p:spPr>
+          <a:xfrm>
+            <a:off x="8472458" y="4663217"/>
+            <a:ext cx="548700" cy="393600"/>
+          </a:xfrm>
+          <a:prstGeom prst="rect">
+            <a:avLst/>
+          </a:prstGeom>
+        </p:spPr>
+        <p:txBody>
+          <a:bodyPr anchorCtr="0" anchor="ctr" bIns="91425" lIns="91425" spcFirstLastPara="1" rIns="91425" wrap="square" tIns="91425">
+            <a:noAutofit/>
+          </a:bodyPr>
+          <a:lstStyle/>
+          <a:p>
+            <a:pPr indent="0" lvl="0" marL="0" rtl="0" algn="r">
+              <a:spcBef>
+                <a:spcPts val="0"/>
+              </a:spcBef>
+              <a:spcAft>
+                <a:spcPts val="0"/>
+              </a:spcAft>
+              <a:buNone/>
+            </a:pPr>
+            <a:fld id="{00000000-1234-1234-1234-123412341234}" type="slidenum">
+              <a:rPr lang="en"/>
+              <a:t>‹#›</a:t>
+            </a:fld>
+            <a:endParaRPr/>
+          </a:p>
+        </p:txBody>
+      </p:sp>
+      <p:pic>
+        <p:nvPicPr>
+          <p:cNvPr id="168" name="Google Shape;168;p34"/>
+          <p:cNvPicPr preferRelativeResize="0"/>
+          <p:nvPr/>
+        </p:nvPicPr>
+        <p:blipFill rotWithShape="1">
+          <a:blip r:embed="rId3">
+            <a:alphaModFix/>
+          </a:blip>
+          <a:srcRect b="7952" l="0" r="0" t="0"/>
+          <a:stretch/>
+        </p:blipFill>
+        <p:spPr>
+          <a:xfrm>
+            <a:off x="5787700" y="514950"/>
+            <a:ext cx="2882350" cy="860375"/>
+          </a:xfrm>
+          <a:prstGeom prst="rect">
+            <a:avLst/>
+          </a:prstGeom>
+          <a:noFill/>
+          <a:ln>
+            <a:noFill/>
+          </a:ln>
+        </p:spPr>
+      </p:pic>
+    </p:spTree>
+  </p:cSld>
+  <p:clrMapOvr>
+    <a:masterClrMapping/>
+  </p:clrMapOvr>
+</p:sld>
+</file>
+
+<file path=ppt/slides/slide11.xml><?xml version="1.0" encoding="utf-8"?>
+<p:sld xmlns:a="http://schemas.openxmlformats.org/drawingml/2006/main" xmlns:r="http://schemas.openxmlformats.org/officeDocument/2006/relationships" xmlns:mc="http://schemas.openxmlformats.org/markup-compatibility/2006" xmlns:mv="urn:schemas-microsoft-com:mac:vml" xmlns:p="http://schemas.openxmlformats.org/presentationml/2006/main" xmlns:c="http://schemas.openxmlformats.org/drawingml/2006/chart" xmlns:dgm="http://schemas.openxmlformats.org/drawingml/2006/diagram" xmlns:o="urn:schemas-microsoft-com:office:office" xmlns:v="urn:schemas-microsoft-com:vml" xmlns:pvml="urn:schemas-microsoft-com:office:powerpoint" xmlns:com="http://schemas.openxmlformats.org/drawingml/2006/compatibility" xmlns:p14="http://schemas.microsoft.com/office/powerpoint/2010/main" xmlns:p15="http://schemas.microsoft.com/office/powerpoint/2012/main" xmlns:ahyp="http://schemas.microsoft.com/office/drawing/2018/hyperlinkcolor">
+  <p:cSld>
+    <p:spTree>
+      <p:nvGrpSpPr>
+        <p:cNvPr id="172" name="Shape 172"/>
+        <p:cNvGrpSpPr/>
+        <p:nvPr/>
+      </p:nvGrpSpPr>
+      <p:grpSpPr>
+        <a:xfrm>
+          <a:off x="0" y="0"/>
+          <a:ext cx="0" cy="0"/>
+          <a:chOff x="0" y="0"/>
+          <a:chExt cx="0" cy="0"/>
+        </a:xfrm>
+      </p:grpSpPr>
+      <p:sp>
+        <p:nvSpPr>
+          <p:cNvPr id="173" name="Google Shape;173;p35"/>
           <p:cNvSpPr/>
           <p:nvPr/>
         </p:nvSpPr>
@@ -15822,7 +16229,7 @@
       </p:sp>
       <p:sp>
         <p:nvSpPr>
-          <p:cNvPr id="167" name="Google Shape;167;p34"/>
+          <p:cNvPr id="174" name="Google Shape;174;p35"/>
           <p:cNvSpPr txBox="1"/>
           <p:nvPr>
             <p:ph type="title"/>
@@ -16099,214 +16506,6 @@
       </p:sp>
       <p:sp>
         <p:nvSpPr>
-          <p:cNvPr id="168" name="Google Shape;168;p34"/>
-          <p:cNvSpPr txBox="1"/>
-          <p:nvPr>
-            <p:ph idx="12" type="sldNum"/>
-          </p:nvPr>
-        </p:nvSpPr>
-        <p:spPr>
-          <a:xfrm>
-            <a:off x="8472458" y="4663217"/>
-            <a:ext cx="548700" cy="393600"/>
-          </a:xfrm>
-          <a:prstGeom prst="rect">
-            <a:avLst/>
-          </a:prstGeom>
-        </p:spPr>
-        <p:txBody>
-          <a:bodyPr anchorCtr="0" anchor="ctr" bIns="91425" lIns="91425" spcFirstLastPara="1" rIns="91425" wrap="square" tIns="91425">
-            <a:noAutofit/>
-          </a:bodyPr>
-          <a:lstStyle/>
-          <a:p>
-            <a:pPr indent="0" lvl="0" marL="0" rtl="0" algn="r">
-              <a:spcBef>
-                <a:spcPts val="0"/>
-              </a:spcBef>
-              <a:spcAft>
-                <a:spcPts val="0"/>
-              </a:spcAft>
-              <a:buClr>
-                <a:srgbClr val="000000"/>
-              </a:buClr>
-              <a:buSzPts val="1000"/>
-              <a:buFont typeface="Arial"/>
-              <a:buNone/>
-            </a:pPr>
-            <a:fld id="{00000000-1234-1234-1234-123412341234}" type="slidenum">
-              <a:rPr lang="en"/>
-              <a:t>‹#›</a:t>
-            </a:fld>
-            <a:endParaRPr/>
-          </a:p>
-        </p:txBody>
-      </p:sp>
-    </p:spTree>
-  </p:cSld>
-  <p:clrMapOvr>
-    <a:masterClrMapping/>
-  </p:clrMapOvr>
-</p:sld>
-</file>
-
-<file path=ppt/slides/slide11.xml><?xml version="1.0" encoding="utf-8"?>
-<p:sld xmlns:a="http://schemas.openxmlformats.org/drawingml/2006/main" xmlns:r="http://schemas.openxmlformats.org/officeDocument/2006/relationships" xmlns:mc="http://schemas.openxmlformats.org/markup-compatibility/2006" xmlns:mv="urn:schemas-microsoft-com:mac:vml" xmlns:p="http://schemas.openxmlformats.org/presentationml/2006/main" xmlns:c="http://schemas.openxmlformats.org/drawingml/2006/chart" xmlns:dgm="http://schemas.openxmlformats.org/drawingml/2006/diagram" xmlns:o="urn:schemas-microsoft-com:office:office" xmlns:v="urn:schemas-microsoft-com:vml" xmlns:pvml="urn:schemas-microsoft-com:office:powerpoint" xmlns:com="http://schemas.openxmlformats.org/drawingml/2006/compatibility" xmlns:p14="http://schemas.microsoft.com/office/powerpoint/2010/main" xmlns:p15="http://schemas.microsoft.com/office/powerpoint/2012/main" xmlns:ahyp="http://schemas.microsoft.com/office/drawing/2018/hyperlinkcolor">
-  <p:cSld>
-    <p:spTree>
-      <p:nvGrpSpPr>
-        <p:cNvPr id="172" name="Shape 172"/>
-        <p:cNvGrpSpPr/>
-        <p:nvPr/>
-      </p:nvGrpSpPr>
-      <p:grpSpPr>
-        <a:xfrm>
-          <a:off x="0" y="0"/>
-          <a:ext cx="0" cy="0"/>
-          <a:chOff x="0" y="0"/>
-          <a:chExt cx="0" cy="0"/>
-        </a:xfrm>
-      </p:grpSpPr>
-      <p:sp>
-        <p:nvSpPr>
-          <p:cNvPr id="173" name="Google Shape;173;p35"/>
-          <p:cNvSpPr txBox="1"/>
-          <p:nvPr>
-            <p:ph type="ctrTitle"/>
-          </p:nvPr>
-        </p:nvSpPr>
-        <p:spPr>
-          <a:xfrm>
-            <a:off x="311708" y="744575"/>
-            <a:ext cx="8520600" cy="2052600"/>
-          </a:xfrm>
-          <a:prstGeom prst="rect">
-            <a:avLst/>
-          </a:prstGeom>
-          <a:noFill/>
-          <a:ln>
-            <a:noFill/>
-          </a:ln>
-        </p:spPr>
-        <p:txBody>
-          <a:bodyPr anchorCtr="0" anchor="b" bIns="91425" lIns="91425" spcFirstLastPara="1" rIns="91425" wrap="square" tIns="91425">
-            <a:noAutofit/>
-          </a:bodyPr>
-          <a:lstStyle/>
-          <a:p>
-            <a:pPr indent="0" lvl="0" marL="0" rtl="0" algn="ctr">
-              <a:lnSpc>
-                <a:spcPct val="100000"/>
-              </a:lnSpc>
-              <a:spcBef>
-                <a:spcPts val="0"/>
-              </a:spcBef>
-              <a:spcAft>
-                <a:spcPts val="0"/>
-              </a:spcAft>
-              <a:buSzPts val="5200"/>
-              <a:buNone/>
-            </a:pPr>
-            <a:r>
-              <a:rPr b="1" lang="en"/>
-              <a:t>B5.ab</a:t>
-            </a:r>
-            <a:r>
-              <a:rPr lang="en"/>
-              <a:t> </a:t>
-            </a:r>
-            <a:endParaRPr/>
-          </a:p>
-          <a:p>
-            <a:pPr indent="0" lvl="0" marL="0" rtl="0" algn="ctr">
-              <a:lnSpc>
-                <a:spcPct val="100000"/>
-              </a:lnSpc>
-              <a:spcBef>
-                <a:spcPts val="0"/>
-              </a:spcBef>
-              <a:spcAft>
-                <a:spcPts val="0"/>
-              </a:spcAft>
-              <a:buSzPts val="5200"/>
-              <a:buNone/>
-            </a:pPr>
-            <a:r>
-              <a:rPr lang="en"/>
-              <a:t>Intro to Advanced Plotting </a:t>
-            </a:r>
-            <a:endParaRPr/>
-          </a:p>
-        </p:txBody>
-      </p:sp>
-      <p:sp>
-        <p:nvSpPr>
-          <p:cNvPr id="174" name="Google Shape;174;p35"/>
-          <p:cNvSpPr txBox="1"/>
-          <p:nvPr/>
-        </p:nvSpPr>
-        <p:spPr>
-          <a:xfrm>
-            <a:off x="311700" y="3826425"/>
-            <a:ext cx="8520600" cy="792600"/>
-          </a:xfrm>
-          <a:prstGeom prst="rect">
-            <a:avLst/>
-          </a:prstGeom>
-          <a:noFill/>
-          <a:ln>
-            <a:noFill/>
-          </a:ln>
-        </p:spPr>
-        <p:txBody>
-          <a:bodyPr anchorCtr="0" anchor="t" bIns="91425" lIns="91425" spcFirstLastPara="1" rIns="91425" wrap="square" tIns="91425">
-            <a:noAutofit/>
-          </a:bodyPr>
-          <a:lstStyle/>
-          <a:p>
-            <a:pPr indent="0" lvl="0" marL="0" marR="0" rtl="0" algn="ctr">
-              <a:lnSpc>
-                <a:spcPct val="100000"/>
-              </a:lnSpc>
-              <a:spcBef>
-                <a:spcPts val="0"/>
-              </a:spcBef>
-              <a:spcAft>
-                <a:spcPts val="0"/>
-              </a:spcAft>
-              <a:buClr>
-                <a:srgbClr val="000000"/>
-              </a:buClr>
-              <a:buSzPts val="2400"/>
-              <a:buFont typeface="Arial"/>
-              <a:buNone/>
-            </a:pPr>
-            <a:r>
-              <a:rPr b="0" i="0" lang="en" sz="2400" u="none" cap="none" strike="noStrike">
-                <a:solidFill>
-                  <a:srgbClr val="595959"/>
-                </a:solidFill>
-                <a:latin typeface="Arial"/>
-                <a:ea typeface="Arial"/>
-                <a:cs typeface="Arial"/>
-                <a:sym typeface="Arial"/>
-              </a:rPr>
-              <a:t>Sabah Ul-Hasan</a:t>
-            </a:r>
-            <a:endParaRPr b="0" i="0" sz="2400" u="none" cap="none" strike="noStrike">
-              <a:solidFill>
-                <a:srgbClr val="595959"/>
-              </a:solidFill>
-              <a:latin typeface="Arial"/>
-              <a:ea typeface="Arial"/>
-              <a:cs typeface="Arial"/>
-              <a:sym typeface="Arial"/>
-            </a:endParaRPr>
-          </a:p>
-        </p:txBody>
-      </p:sp>
-      <p:sp>
-        <p:nvSpPr>
           <p:cNvPr id="175" name="Google Shape;175;p35"/>
           <p:cNvSpPr txBox="1"/>
           <p:nvPr>
@@ -16335,6 +16534,11 @@
               <a:spcAft>
                 <a:spcPts val="0"/>
               </a:spcAft>
+              <a:buClr>
+                <a:srgbClr val="000000"/>
+              </a:buClr>
+              <a:buSzPts val="1000"/>
+              <a:buFont typeface="Arial"/>
               <a:buNone/>
             </a:pPr>
             <a:fld id="{00000000-1234-1234-1234-123412341234}" type="slidenum">
@@ -16375,13 +16579,83 @@
           <p:cNvPr id="180" name="Google Shape;180;p36"/>
           <p:cNvSpPr txBox="1"/>
           <p:nvPr>
-            <p:ph type="title"/>
+            <p:ph type="ctrTitle"/>
           </p:nvPr>
         </p:nvSpPr>
         <p:spPr>
           <a:xfrm>
-            <a:off x="311700" y="233775"/>
-            <a:ext cx="8520600" cy="572700"/>
+            <a:off x="311708" y="744575"/>
+            <a:ext cx="8520600" cy="2052600"/>
+          </a:xfrm>
+          <a:prstGeom prst="rect">
+            <a:avLst/>
+          </a:prstGeom>
+          <a:noFill/>
+          <a:ln>
+            <a:noFill/>
+          </a:ln>
+        </p:spPr>
+        <p:txBody>
+          <a:bodyPr anchorCtr="0" anchor="b" bIns="91425" lIns="91425" spcFirstLastPara="1" rIns="91425" wrap="square" tIns="91425">
+            <a:noAutofit/>
+          </a:bodyPr>
+          <a:lstStyle/>
+          <a:p>
+            <a:pPr indent="0" lvl="0" marL="0" rtl="0" algn="ctr">
+              <a:lnSpc>
+                <a:spcPct val="100000"/>
+              </a:lnSpc>
+              <a:spcBef>
+                <a:spcPts val="0"/>
+              </a:spcBef>
+              <a:spcAft>
+                <a:spcPts val="0"/>
+              </a:spcAft>
+              <a:buSzPts val="5200"/>
+              <a:buNone/>
+            </a:pPr>
+            <a:r>
+              <a:rPr b="1" lang="en"/>
+              <a:t>B5.ab</a:t>
+            </a:r>
+            <a:r>
+              <a:rPr lang="en"/>
+              <a:t> </a:t>
+            </a:r>
+            <a:endParaRPr/>
+          </a:p>
+          <a:p>
+            <a:pPr indent="0" lvl="0" marL="0" rtl="0" algn="ctr">
+              <a:lnSpc>
+                <a:spcPct val="100000"/>
+              </a:lnSpc>
+              <a:spcBef>
+                <a:spcPts val="0"/>
+              </a:spcBef>
+              <a:spcAft>
+                <a:spcPts val="0"/>
+              </a:spcAft>
+              <a:buSzPts val="5200"/>
+              <a:buNone/>
+            </a:pPr>
+            <a:r>
+              <a:rPr lang="en"/>
+              <a:t>Intro to Advanced Plotting </a:t>
+            </a:r>
+            <a:endParaRPr/>
+          </a:p>
+        </p:txBody>
+      </p:sp>
+      <p:sp>
+        <p:nvSpPr>
+          <p:cNvPr id="181" name="Google Shape;181;p36"/>
+          <p:cNvSpPr txBox="1"/>
+          <p:nvPr/>
+        </p:nvSpPr>
+        <p:spPr>
+          <a:xfrm>
+            <a:off x="311700" y="3826425"/>
+            <a:ext cx="8520600" cy="792600"/>
           </a:xfrm>
           <a:prstGeom prst="rect">
             <a:avLst/>
@@ -16397,30 +16671,50 @@
           </a:bodyPr>
           <a:lstStyle/>
           <a:p>
-            <a:pPr indent="0" lvl="0" marL="0" rtl="0" algn="l">
-              <a:lnSpc>
-                <a:spcPct val="100000"/>
-              </a:lnSpc>
-              <a:spcBef>
-                <a:spcPts val="0"/>
-              </a:spcBef>
-              <a:spcAft>
-                <a:spcPts val="0"/>
-              </a:spcAft>
-              <a:buSzPts val="2800"/>
+            <a:pPr indent="0" lvl="0" marL="0" marR="0" rtl="0" algn="ctr">
+              <a:lnSpc>
+                <a:spcPct val="100000"/>
+              </a:lnSpc>
+              <a:spcBef>
+                <a:spcPts val="0"/>
+              </a:spcBef>
+              <a:spcAft>
+                <a:spcPts val="0"/>
+              </a:spcAft>
+              <a:buClr>
+                <a:srgbClr val="000000"/>
+              </a:buClr>
+              <a:buSzPts val="2400"/>
+              <a:buFont typeface="Arial"/>
               <a:buNone/>
             </a:pPr>
             <a:r>
-              <a:rPr lang="en"/>
-              <a:t>Common Packages: tidyverse, ggplot2, ggpubr</a:t>
+              <a:rPr b="0" i="0" lang="en" sz="2400" u="none" cap="none" strike="noStrike">
+                <a:solidFill>
+                  <a:srgbClr val="595959"/>
+                </a:solidFill>
+                <a:latin typeface="Arial"/>
+                <a:ea typeface="Arial"/>
+                <a:cs typeface="Arial"/>
+                <a:sym typeface="Arial"/>
+              </a:rPr>
+              <a:t>Sabah Ul-Hasan</a:t>
             </a:r>
-            <a:endParaRPr/>
+            <a:endParaRPr b="0" i="0" sz="2400" u="none" cap="none" strike="noStrike">
+              <a:solidFill>
+                <a:srgbClr val="595959"/>
+              </a:solidFill>
+              <a:latin typeface="Arial"/>
+              <a:ea typeface="Arial"/>
+              <a:cs typeface="Arial"/>
+              <a:sym typeface="Arial"/>
+            </a:endParaRPr>
           </a:p>
         </p:txBody>
       </p:sp>
       <p:sp>
         <p:nvSpPr>
-          <p:cNvPr id="181" name="Google Shape;181;p36"/>
+          <p:cNvPr id="182" name="Google Shape;182;p36"/>
           <p:cNvSpPr txBox="1"/>
           <p:nvPr>
             <p:ph idx="12" type="sldNum"/>
@@ -16471,7 +16765,7 @@
   <p:cSld>
     <p:spTree>
       <p:nvGrpSpPr>
-        <p:cNvPr id="185" name="Shape 185"/>
+        <p:cNvPr id="186" name="Shape 186"/>
         <p:cNvGrpSpPr/>
         <p:nvPr/>
       </p:nvGrpSpPr>
@@ -16485,7 +16779,7 @@
       </p:grpSpPr>
       <p:sp>
         <p:nvSpPr>
-          <p:cNvPr id="186" name="Google Shape;186;p37"/>
+          <p:cNvPr id="187" name="Google Shape;187;p37"/>
           <p:cNvSpPr txBox="1"/>
           <p:nvPr>
             <p:ph type="title"/>
@@ -16533,7 +16827,7 @@
       </p:sp>
       <p:sp>
         <p:nvSpPr>
-          <p:cNvPr id="187" name="Google Shape;187;p37"/>
+          <p:cNvPr id="188" name="Google Shape;188;p37"/>
           <p:cNvSpPr txBox="1"/>
           <p:nvPr>
             <p:ph idx="12" type="sldNum"/>
@@ -16571,9 +16865,122 @@
           </a:p>
         </p:txBody>
       </p:sp>
+    </p:spTree>
+  </p:cSld>
+  <p:clrMapOvr>
+    <a:masterClrMapping/>
+  </p:clrMapOvr>
+</p:sld>
+</file>
+
+<file path=ppt/slides/slide14.xml><?xml version="1.0" encoding="utf-8"?>
+<p:sld xmlns:a="http://schemas.openxmlformats.org/drawingml/2006/main" xmlns:r="http://schemas.openxmlformats.org/officeDocument/2006/relationships" xmlns:mc="http://schemas.openxmlformats.org/markup-compatibility/2006" xmlns:mv="urn:schemas-microsoft-com:mac:vml" xmlns:p="http://schemas.openxmlformats.org/presentationml/2006/main" xmlns:c="http://schemas.openxmlformats.org/drawingml/2006/chart" xmlns:dgm="http://schemas.openxmlformats.org/drawingml/2006/diagram" xmlns:o="urn:schemas-microsoft-com:office:office" xmlns:v="urn:schemas-microsoft-com:vml" xmlns:pvml="urn:schemas-microsoft-com:office:powerpoint" xmlns:com="http://schemas.openxmlformats.org/drawingml/2006/compatibility" xmlns:p14="http://schemas.microsoft.com/office/powerpoint/2010/main" xmlns:p15="http://schemas.microsoft.com/office/powerpoint/2012/main" xmlns:ahyp="http://schemas.microsoft.com/office/drawing/2018/hyperlinkcolor">
+  <p:cSld>
+    <p:spTree>
+      <p:nvGrpSpPr>
+        <p:cNvPr id="192" name="Shape 192"/>
+        <p:cNvGrpSpPr/>
+        <p:nvPr/>
+      </p:nvGrpSpPr>
+      <p:grpSpPr>
+        <a:xfrm>
+          <a:off x="0" y="0"/>
+          <a:ext cx="0" cy="0"/>
+          <a:chOff x="0" y="0"/>
+          <a:chExt cx="0" cy="0"/>
+        </a:xfrm>
+      </p:grpSpPr>
       <p:sp>
         <p:nvSpPr>
-          <p:cNvPr id="188" name="Google Shape;188;p37"/>
+          <p:cNvPr id="193" name="Google Shape;193;p38"/>
+          <p:cNvSpPr txBox="1"/>
+          <p:nvPr>
+            <p:ph type="title"/>
+          </p:nvPr>
+        </p:nvSpPr>
+        <p:spPr>
+          <a:xfrm>
+            <a:off x="311700" y="233775"/>
+            <a:ext cx="8520600" cy="572700"/>
+          </a:xfrm>
+          <a:prstGeom prst="rect">
+            <a:avLst/>
+          </a:prstGeom>
+          <a:noFill/>
+          <a:ln>
+            <a:noFill/>
+          </a:ln>
+        </p:spPr>
+        <p:txBody>
+          <a:bodyPr anchorCtr="0" anchor="t" bIns="91425" lIns="91425" spcFirstLastPara="1" rIns="91425" wrap="square" tIns="91425">
+            <a:noAutofit/>
+          </a:bodyPr>
+          <a:lstStyle/>
+          <a:p>
+            <a:pPr indent="0" lvl="0" marL="0" rtl="0" algn="l">
+              <a:lnSpc>
+                <a:spcPct val="100000"/>
+              </a:lnSpc>
+              <a:spcBef>
+                <a:spcPts val="0"/>
+              </a:spcBef>
+              <a:spcAft>
+                <a:spcPts val="0"/>
+              </a:spcAft>
+              <a:buSzPts val="2800"/>
+              <a:buNone/>
+            </a:pPr>
+            <a:r>
+              <a:rPr lang="en"/>
+              <a:t>Common Packages: tidyverse, ggplot2, ggpubr</a:t>
+            </a:r>
+            <a:endParaRPr/>
+          </a:p>
+        </p:txBody>
+      </p:sp>
+      <p:sp>
+        <p:nvSpPr>
+          <p:cNvPr id="194" name="Google Shape;194;p38"/>
+          <p:cNvSpPr txBox="1"/>
+          <p:nvPr>
+            <p:ph idx="12" type="sldNum"/>
+          </p:nvPr>
+        </p:nvSpPr>
+        <p:spPr>
+          <a:xfrm>
+            <a:off x="8472458" y="4663217"/>
+            <a:ext cx="548700" cy="393600"/>
+          </a:xfrm>
+          <a:prstGeom prst="rect">
+            <a:avLst/>
+          </a:prstGeom>
+        </p:spPr>
+        <p:txBody>
+          <a:bodyPr anchorCtr="0" anchor="ctr" bIns="91425" lIns="91425" spcFirstLastPara="1" rIns="91425" wrap="square" tIns="91425">
+            <a:noAutofit/>
+          </a:bodyPr>
+          <a:lstStyle/>
+          <a:p>
+            <a:pPr indent="0" lvl="0" marL="0" rtl="0" algn="r">
+              <a:spcBef>
+                <a:spcPts val="0"/>
+              </a:spcBef>
+              <a:spcAft>
+                <a:spcPts val="0"/>
+              </a:spcAft>
+              <a:buNone/>
+            </a:pPr>
+            <a:fld id="{00000000-1234-1234-1234-123412341234}" type="slidenum">
+              <a:rPr lang="en"/>
+              <a:t>‹#›</a:t>
+            </a:fld>
+            <a:endParaRPr/>
+          </a:p>
+        </p:txBody>
+      </p:sp>
+      <p:sp>
+        <p:nvSpPr>
+          <p:cNvPr id="195" name="Google Shape;195;p38"/>
           <p:cNvSpPr txBox="1"/>
           <p:nvPr>
             <p:ph idx="1" type="body"/>
@@ -16651,7 +17058,100 @@
                   <a:srgbClr val="434343"/>
                 </a:solidFill>
               </a:rPr>
-              <a:t>x</a:t>
+              <a:t>More variety with visualizations</a:t>
+            </a:r>
+            <a:endParaRPr>
+              <a:solidFill>
+                <a:srgbClr val="434343"/>
+              </a:solidFill>
+            </a:endParaRPr>
+          </a:p>
+          <a:p>
+            <a:pPr indent="-317500" lvl="1" marL="914400" rtl="0" algn="l">
+              <a:lnSpc>
+                <a:spcPct val="115000"/>
+              </a:lnSpc>
+              <a:spcBef>
+                <a:spcPts val="0"/>
+              </a:spcBef>
+              <a:spcAft>
+                <a:spcPts val="0"/>
+              </a:spcAft>
+              <a:buClr>
+                <a:srgbClr val="434343"/>
+              </a:buClr>
+              <a:buSzPts val="1400"/>
+              <a:buChar char="○"/>
+            </a:pPr>
+            <a:r>
+              <a:rPr lang="en">
+                <a:solidFill>
+                  <a:srgbClr val="434343"/>
+                </a:solidFill>
+              </a:rPr>
+              <a:t>Expedited high-quality visualizations</a:t>
+            </a:r>
+            <a:endParaRPr>
+              <a:solidFill>
+                <a:srgbClr val="434343"/>
+              </a:solidFill>
+            </a:endParaRPr>
+          </a:p>
+          <a:p>
+            <a:pPr indent="-317500" lvl="1" marL="914400" rtl="0" algn="l">
+              <a:lnSpc>
+                <a:spcPct val="115000"/>
+              </a:lnSpc>
+              <a:spcBef>
+                <a:spcPts val="0"/>
+              </a:spcBef>
+              <a:spcAft>
+                <a:spcPts val="0"/>
+              </a:spcAft>
+              <a:buClr>
+                <a:srgbClr val="434343"/>
+              </a:buClr>
+              <a:buSzPts val="1400"/>
+              <a:buChar char="○"/>
+            </a:pPr>
+            <a:r>
+              <a:rPr lang="en">
+                <a:solidFill>
+                  <a:srgbClr val="434343"/>
+                </a:solidFill>
+              </a:rPr>
+              <a:t>Cleaner syntax</a:t>
+            </a:r>
+            <a:endParaRPr>
+              <a:solidFill>
+                <a:srgbClr val="434343"/>
+              </a:solidFill>
+            </a:endParaRPr>
+          </a:p>
+          <a:p>
+            <a:pPr indent="-317500" lvl="1" marL="914400" rtl="0" algn="l">
+              <a:lnSpc>
+                <a:spcPct val="115000"/>
+              </a:lnSpc>
+              <a:spcBef>
+                <a:spcPts val="0"/>
+              </a:spcBef>
+              <a:spcAft>
+                <a:spcPts val="0"/>
+              </a:spcAft>
+              <a:buClr>
+                <a:srgbClr val="434343"/>
+              </a:buClr>
+              <a:buSzPts val="1400"/>
+              <a:buChar char="○"/>
+            </a:pPr>
+            <a:r>
+              <a:rPr lang="en">
+                <a:solidFill>
+                  <a:srgbClr val="434343"/>
+                </a:solidFill>
+              </a:rPr>
+              <a:t>Efficiently producing complex figures</a:t>
             </a:r>
             <a:endParaRPr>
               <a:solidFill>
@@ -16663,7 +17163,7 @@
       </p:sp>
       <p:sp>
         <p:nvSpPr>
-          <p:cNvPr id="189" name="Google Shape;189;p37"/>
+          <p:cNvPr id="196" name="Google Shape;196;p38"/>
           <p:cNvSpPr txBox="1"/>
           <p:nvPr/>
         </p:nvSpPr>
@@ -16746,195 +17246,6 @@
                   <a:schemeClr val="dk1"/>
                 </a:solidFill>
               </a:rPr>
-              <a:t> </a:t>
-            </a:r>
-            <a:endParaRPr/>
-          </a:p>
-        </p:txBody>
-      </p:sp>
-    </p:spTree>
-  </p:cSld>
-  <p:clrMapOvr>
-    <a:masterClrMapping/>
-  </p:clrMapOvr>
-</p:sld>
-</file>
-
-<file path=ppt/slides/slide14.xml><?xml version="1.0" encoding="utf-8"?>
-<p:sld xmlns:a="http://schemas.openxmlformats.org/drawingml/2006/main" xmlns:r="http://schemas.openxmlformats.org/officeDocument/2006/relationships" xmlns:mc="http://schemas.openxmlformats.org/markup-compatibility/2006" xmlns:mv="urn:schemas-microsoft-com:mac:vml" xmlns:p="http://schemas.openxmlformats.org/presentationml/2006/main" xmlns:c="http://schemas.openxmlformats.org/drawingml/2006/chart" xmlns:dgm="http://schemas.openxmlformats.org/drawingml/2006/diagram" xmlns:o="urn:schemas-microsoft-com:office:office" xmlns:v="urn:schemas-microsoft-com:vml" xmlns:pvml="urn:schemas-microsoft-com:office:powerpoint" xmlns:com="http://schemas.openxmlformats.org/drawingml/2006/compatibility" xmlns:p14="http://schemas.microsoft.com/office/powerpoint/2010/main" xmlns:p15="http://schemas.microsoft.com/office/powerpoint/2012/main" xmlns:ahyp="http://schemas.microsoft.com/office/drawing/2018/hyperlinkcolor">
-  <p:cSld>
-    <p:spTree>
-      <p:nvGrpSpPr>
-        <p:cNvPr id="193" name="Shape 193"/>
-        <p:cNvGrpSpPr/>
-        <p:nvPr/>
-      </p:nvGrpSpPr>
-      <p:grpSpPr>
-        <a:xfrm>
-          <a:off x="0" y="0"/>
-          <a:ext cx="0" cy="0"/>
-          <a:chOff x="0" y="0"/>
-          <a:chExt cx="0" cy="0"/>
-        </a:xfrm>
-      </p:grpSpPr>
-      <p:sp>
-        <p:nvSpPr>
-          <p:cNvPr id="194" name="Google Shape;194;p38"/>
-          <p:cNvSpPr txBox="1"/>
-          <p:nvPr>
-            <p:ph type="title"/>
-          </p:nvPr>
-        </p:nvSpPr>
-        <p:spPr>
-          <a:xfrm>
-            <a:off x="311700" y="233775"/>
-            <a:ext cx="8520600" cy="572700"/>
-          </a:xfrm>
-          <a:prstGeom prst="rect">
-            <a:avLst/>
-          </a:prstGeom>
-          <a:noFill/>
-          <a:ln>
-            <a:noFill/>
-          </a:ln>
-        </p:spPr>
-        <p:txBody>
-          <a:bodyPr anchorCtr="0" anchor="t" bIns="91425" lIns="91425" spcFirstLastPara="1" rIns="91425" wrap="square" tIns="91425">
-            <a:noAutofit/>
-          </a:bodyPr>
-          <a:lstStyle/>
-          <a:p>
-            <a:pPr indent="0" lvl="0" marL="0" rtl="0" algn="l">
-              <a:lnSpc>
-                <a:spcPct val="100000"/>
-              </a:lnSpc>
-              <a:spcBef>
-                <a:spcPts val="0"/>
-              </a:spcBef>
-              <a:spcAft>
-                <a:spcPts val="0"/>
-              </a:spcAft>
-              <a:buSzPts val="2800"/>
-              <a:buNone/>
-            </a:pPr>
-            <a:r>
-              <a:rPr lang="en"/>
-              <a:t>Demo of games.csv boxplot in ggplot2 </a:t>
-            </a:r>
-            <a:endParaRPr/>
-          </a:p>
-        </p:txBody>
-      </p:sp>
-      <p:sp>
-        <p:nvSpPr>
-          <p:cNvPr id="195" name="Google Shape;195;p38"/>
-          <p:cNvSpPr txBox="1"/>
-          <p:nvPr>
-            <p:ph idx="12" type="sldNum"/>
-          </p:nvPr>
-        </p:nvSpPr>
-        <p:spPr>
-          <a:xfrm>
-            <a:off x="8472458" y="4663217"/>
-            <a:ext cx="548700" cy="393600"/>
-          </a:xfrm>
-          <a:prstGeom prst="rect">
-            <a:avLst/>
-          </a:prstGeom>
-        </p:spPr>
-        <p:txBody>
-          <a:bodyPr anchorCtr="0" anchor="ctr" bIns="91425" lIns="91425" spcFirstLastPara="1" rIns="91425" wrap="square" tIns="91425">
-            <a:noAutofit/>
-          </a:bodyPr>
-          <a:lstStyle/>
-          <a:p>
-            <a:pPr indent="0" lvl="0" marL="0" rtl="0" algn="r">
-              <a:spcBef>
-                <a:spcPts val="0"/>
-              </a:spcBef>
-              <a:spcAft>
-                <a:spcPts val="0"/>
-              </a:spcAft>
-              <a:buNone/>
-            </a:pPr>
-            <a:fld id="{00000000-1234-1234-1234-123412341234}" type="slidenum">
-              <a:rPr lang="en"/>
-              <a:t>‹#›</a:t>
-            </a:fld>
-            <a:endParaRPr/>
-          </a:p>
-        </p:txBody>
-      </p:sp>
-      <p:sp>
-        <p:nvSpPr>
-          <p:cNvPr id="196" name="Google Shape;196;p38"/>
-          <p:cNvSpPr txBox="1"/>
-          <p:nvPr/>
-        </p:nvSpPr>
-        <p:spPr>
-          <a:xfrm>
-            <a:off x="136300" y="4408750"/>
-            <a:ext cx="6352200" cy="3000000"/>
-          </a:xfrm>
-          <a:prstGeom prst="rect">
-            <a:avLst/>
-          </a:prstGeom>
-          <a:noFill/>
-          <a:ln>
-            <a:noFill/>
-          </a:ln>
-        </p:spPr>
-        <p:txBody>
-          <a:bodyPr anchorCtr="0" anchor="t" bIns="91425" lIns="91425" spcFirstLastPara="1" rIns="91425" wrap="square" tIns="91425">
-            <a:noAutofit/>
-          </a:bodyPr>
-          <a:lstStyle/>
-          <a:p>
-            <a:pPr indent="0" lvl="0" marL="0" rtl="0" algn="l">
-              <a:spcBef>
-                <a:spcPts val="0"/>
-              </a:spcBef>
-              <a:spcAft>
-                <a:spcPts val="0"/>
-              </a:spcAft>
-              <a:buNone/>
-            </a:pPr>
-            <a:r>
-              <a:rPr lang="en" u="sng">
-                <a:solidFill>
-                  <a:schemeClr val="hlink"/>
-                </a:solidFill>
-                <a:hlinkClick r:id="rId3"/>
-              </a:rPr>
-              <a:t>https://www.r-graph-gallery.com/barplot</a:t>
-            </a:r>
-            <a:r>
-              <a:rPr lang="en"/>
-              <a:t> </a:t>
-            </a:r>
-            <a:endParaRPr/>
-          </a:p>
-          <a:p>
-            <a:pPr indent="0" lvl="0" marL="0" rtl="0" algn="l">
-              <a:spcBef>
-                <a:spcPts val="0"/>
-              </a:spcBef>
-              <a:spcAft>
-                <a:spcPts val="0"/>
-              </a:spcAft>
-              <a:buNone/>
-            </a:pPr>
-            <a:r>
-              <a:rPr lang="en" u="sng">
-                <a:solidFill>
-                  <a:schemeClr val="hlink"/>
-                </a:solidFill>
-                <a:hlinkClick r:id="rId4"/>
-              </a:rPr>
-              <a:t>https://www.r-graph-gallery.com/48-grouped-barplot-with-ggplot2.html</a:t>
-            </a:r>
-            <a:r>
-              <a:rPr lang="en"/>
               <a:t> </a:t>
             </a:r>
             <a:endParaRPr/>
@@ -17008,7 +17319,7 @@
             </a:pPr>
             <a:r>
               <a:rPr lang="en"/>
-              <a:t>Visualization packages and statistics</a:t>
+              <a:t>Demo of games.csv barplot in ggplot2 </a:t>
             </a:r>
             <a:endParaRPr/>
           </a:p>
@@ -17054,6 +17365,82 @@
           </a:p>
         </p:txBody>
       </p:sp>
+      <p:sp>
+        <p:nvSpPr>
+          <p:cNvPr id="203" name="Google Shape;203;p39"/>
+          <p:cNvSpPr txBox="1"/>
+          <p:nvPr/>
+        </p:nvSpPr>
+        <p:spPr>
+          <a:xfrm>
+            <a:off x="136300" y="4408750"/>
+            <a:ext cx="6352200" cy="3000000"/>
+          </a:xfrm>
+          <a:prstGeom prst="rect">
+            <a:avLst/>
+          </a:prstGeom>
+          <a:noFill/>
+          <a:ln>
+            <a:noFill/>
+          </a:ln>
+        </p:spPr>
+        <p:txBody>
+          <a:bodyPr anchorCtr="0" anchor="t" bIns="91425" lIns="91425" spcFirstLastPara="1" rIns="91425" wrap="square" tIns="91425">
+            <a:noAutofit/>
+          </a:bodyPr>
+          <a:lstStyle/>
+          <a:p>
+            <a:pPr indent="0" lvl="0" marL="0" rtl="0" algn="l">
+              <a:spcBef>
+                <a:spcPts val="0"/>
+              </a:spcBef>
+              <a:spcAft>
+                <a:spcPts val="0"/>
+              </a:spcAft>
+              <a:buNone/>
+            </a:pPr>
+            <a:r>
+              <a:rPr lang="en" u="sng">
+                <a:solidFill>
+                  <a:schemeClr val="hlink"/>
+                </a:solidFill>
+                <a:hlinkClick r:id="rId3"/>
+              </a:rPr>
+              <a:t>https://www.r-graph-gallery.com/barplot</a:t>
+            </a:r>
+            <a:r>
+              <a:rPr lang="en"/>
+              <a:t> </a:t>
+            </a:r>
+            <a:endParaRPr/>
+          </a:p>
+          <a:p>
+            <a:pPr indent="0" lvl="0" marL="0" rtl="0" algn="l">
+              <a:spcBef>
+                <a:spcPts val="0"/>
+              </a:spcBef>
+              <a:spcAft>
+                <a:spcPts val="0"/>
+              </a:spcAft>
+              <a:buNone/>
+            </a:pPr>
+            <a:r>
+              <a:rPr lang="en" u="sng">
+                <a:solidFill>
+                  <a:schemeClr val="hlink"/>
+                </a:solidFill>
+                <a:hlinkClick r:id="rId4"/>
+              </a:rPr>
+              <a:t>https://www.r-graph-gallery.com/48-grouped-barplot-with-ggplot2.html</a:t>
+            </a:r>
+            <a:r>
+              <a:rPr lang="en"/>
+              <a:t> </a:t>
+            </a:r>
+            <a:endParaRPr/>
+          </a:p>
+        </p:txBody>
+      </p:sp>
     </p:spTree>
   </p:cSld>
   <p:clrMapOvr>
@@ -17067,7 +17454,7 @@
   <p:cSld>
     <p:spTree>
       <p:nvGrpSpPr>
-        <p:cNvPr id="206" name="Shape 206"/>
+        <p:cNvPr id="207" name="Shape 207"/>
         <p:cNvGrpSpPr/>
         <p:nvPr/>
       </p:nvGrpSpPr>
@@ -17081,7 +17468,7 @@
       </p:grpSpPr>
       <p:sp>
         <p:nvSpPr>
-          <p:cNvPr id="207" name="Google Shape;207;p40"/>
+          <p:cNvPr id="208" name="Google Shape;208;p40"/>
           <p:cNvSpPr txBox="1"/>
           <p:nvPr>
             <p:ph type="title"/>
@@ -17129,7 +17516,7 @@
       </p:sp>
       <p:sp>
         <p:nvSpPr>
-          <p:cNvPr id="208" name="Google Shape;208;p40"/>
+          <p:cNvPr id="209" name="Google Shape;209;p40"/>
           <p:cNvSpPr txBox="1"/>
           <p:nvPr>
             <p:ph idx="12" type="sldNum"/>
@@ -17167,9 +17554,122 @@
           </a:p>
         </p:txBody>
       </p:sp>
+    </p:spTree>
+  </p:cSld>
+  <p:clrMapOvr>
+    <a:masterClrMapping/>
+  </p:clrMapOvr>
+</p:sld>
+</file>
+
+<file path=ppt/slides/slide17.xml><?xml version="1.0" encoding="utf-8"?>
+<p:sld xmlns:a="http://schemas.openxmlformats.org/drawingml/2006/main" xmlns:r="http://schemas.openxmlformats.org/officeDocument/2006/relationships" xmlns:mc="http://schemas.openxmlformats.org/markup-compatibility/2006" xmlns:mv="urn:schemas-microsoft-com:mac:vml" xmlns:p="http://schemas.openxmlformats.org/presentationml/2006/main" xmlns:c="http://schemas.openxmlformats.org/drawingml/2006/chart" xmlns:dgm="http://schemas.openxmlformats.org/drawingml/2006/diagram" xmlns:o="urn:schemas-microsoft-com:office:office" xmlns:v="urn:schemas-microsoft-com:vml" xmlns:pvml="urn:schemas-microsoft-com:office:powerpoint" xmlns:com="http://schemas.openxmlformats.org/drawingml/2006/compatibility" xmlns:p14="http://schemas.microsoft.com/office/powerpoint/2010/main" xmlns:p15="http://schemas.microsoft.com/office/powerpoint/2012/main" xmlns:ahyp="http://schemas.microsoft.com/office/drawing/2018/hyperlinkcolor">
+  <p:cSld>
+    <p:spTree>
+      <p:nvGrpSpPr>
+        <p:cNvPr id="213" name="Shape 213"/>
+        <p:cNvGrpSpPr/>
+        <p:nvPr/>
+      </p:nvGrpSpPr>
+      <p:grpSpPr>
+        <a:xfrm>
+          <a:off x="0" y="0"/>
+          <a:ext cx="0" cy="0"/>
+          <a:chOff x="0" y="0"/>
+          <a:chExt cx="0" cy="0"/>
+        </a:xfrm>
+      </p:grpSpPr>
       <p:sp>
         <p:nvSpPr>
-          <p:cNvPr id="209" name="Google Shape;209;p40"/>
+          <p:cNvPr id="214" name="Google Shape;214;p41"/>
+          <p:cNvSpPr txBox="1"/>
+          <p:nvPr>
+            <p:ph type="title"/>
+          </p:nvPr>
+        </p:nvSpPr>
+        <p:spPr>
+          <a:xfrm>
+            <a:off x="311700" y="233775"/>
+            <a:ext cx="8520600" cy="572700"/>
+          </a:xfrm>
+          <a:prstGeom prst="rect">
+            <a:avLst/>
+          </a:prstGeom>
+          <a:noFill/>
+          <a:ln>
+            <a:noFill/>
+          </a:ln>
+        </p:spPr>
+        <p:txBody>
+          <a:bodyPr anchorCtr="0" anchor="t" bIns="91425" lIns="91425" spcFirstLastPara="1" rIns="91425" wrap="square" tIns="91425">
+            <a:noAutofit/>
+          </a:bodyPr>
+          <a:lstStyle/>
+          <a:p>
+            <a:pPr indent="0" lvl="0" marL="0" rtl="0" algn="l">
+              <a:lnSpc>
+                <a:spcPct val="100000"/>
+              </a:lnSpc>
+              <a:spcBef>
+                <a:spcPts val="0"/>
+              </a:spcBef>
+              <a:spcAft>
+                <a:spcPts val="0"/>
+              </a:spcAft>
+              <a:buSzPts val="2800"/>
+              <a:buNone/>
+            </a:pPr>
+            <a:r>
+              <a:rPr lang="en"/>
+              <a:t>Visualization packages and statistics</a:t>
+            </a:r>
+            <a:endParaRPr/>
+          </a:p>
+        </p:txBody>
+      </p:sp>
+      <p:sp>
+        <p:nvSpPr>
+          <p:cNvPr id="215" name="Google Shape;215;p41"/>
+          <p:cNvSpPr txBox="1"/>
+          <p:nvPr>
+            <p:ph idx="12" type="sldNum"/>
+          </p:nvPr>
+        </p:nvSpPr>
+        <p:spPr>
+          <a:xfrm>
+            <a:off x="8472458" y="4663217"/>
+            <a:ext cx="548700" cy="393600"/>
+          </a:xfrm>
+          <a:prstGeom prst="rect">
+            <a:avLst/>
+          </a:prstGeom>
+        </p:spPr>
+        <p:txBody>
+          <a:bodyPr anchorCtr="0" anchor="ctr" bIns="91425" lIns="91425" spcFirstLastPara="1" rIns="91425" wrap="square" tIns="91425">
+            <a:noAutofit/>
+          </a:bodyPr>
+          <a:lstStyle/>
+          <a:p>
+            <a:pPr indent="0" lvl="0" marL="0" rtl="0" algn="r">
+              <a:spcBef>
+                <a:spcPts val="0"/>
+              </a:spcBef>
+              <a:spcAft>
+                <a:spcPts val="0"/>
+              </a:spcAft>
+              <a:buNone/>
+            </a:pPr>
+            <a:fld id="{00000000-1234-1234-1234-123412341234}" type="slidenum">
+              <a:rPr lang="en"/>
+              <a:t>‹#›</a:t>
+            </a:fld>
+            <a:endParaRPr/>
+          </a:p>
+        </p:txBody>
+      </p:sp>
+      <p:sp>
+        <p:nvSpPr>
+          <p:cNvPr id="216" name="Google Shape;216;p41"/>
           <p:cNvSpPr txBox="1"/>
           <p:nvPr>
             <p:ph idx="1" type="body"/>
@@ -17228,261 +17728,7 @@
       </p:sp>
       <p:sp>
         <p:nvSpPr>
-          <p:cNvPr id="210" name="Google Shape;210;p40"/>
-          <p:cNvSpPr txBox="1"/>
-          <p:nvPr/>
-        </p:nvSpPr>
-        <p:spPr>
-          <a:xfrm>
-            <a:off x="190825" y="4663225"/>
-            <a:ext cx="5843100" cy="3000000"/>
-          </a:xfrm>
-          <a:prstGeom prst="rect">
-            <a:avLst/>
-          </a:prstGeom>
-          <a:noFill/>
-          <a:ln>
-            <a:noFill/>
-          </a:ln>
-        </p:spPr>
-        <p:txBody>
-          <a:bodyPr anchorCtr="0" anchor="t" bIns="91425" lIns="91425" spcFirstLastPara="1" rIns="91425" wrap="square" tIns="91425">
-            <a:noAutofit/>
-          </a:bodyPr>
-          <a:lstStyle/>
-          <a:p>
-            <a:pPr indent="0" lvl="0" marL="0" rtl="0" algn="l">
-              <a:spcBef>
-                <a:spcPts val="0"/>
-              </a:spcBef>
-              <a:spcAft>
-                <a:spcPts val="0"/>
-              </a:spcAft>
-              <a:buNone/>
-            </a:pPr>
-            <a:r>
-              <a:rPr lang="en" u="sng">
-                <a:solidFill>
-                  <a:schemeClr val="hlink"/>
-                </a:solidFill>
-                <a:hlinkClick r:id="rId3"/>
-              </a:rPr>
-              <a:t>https://indrajeetpatil.github.io/ggstatsplot/</a:t>
-            </a:r>
-            <a:r>
-              <a:rPr lang="en"/>
-              <a:t> </a:t>
-            </a:r>
-            <a:endParaRPr/>
-          </a:p>
-        </p:txBody>
-      </p:sp>
-    </p:spTree>
-  </p:cSld>
-  <p:clrMapOvr>
-    <a:masterClrMapping/>
-  </p:clrMapOvr>
-</p:sld>
-</file>
-
-<file path=ppt/slides/slide17.xml><?xml version="1.0" encoding="utf-8"?>
-<p:sld xmlns:a="http://schemas.openxmlformats.org/drawingml/2006/main" xmlns:r="http://schemas.openxmlformats.org/officeDocument/2006/relationships" xmlns:mc="http://schemas.openxmlformats.org/markup-compatibility/2006" xmlns:mv="urn:schemas-microsoft-com:mac:vml" xmlns:p="http://schemas.openxmlformats.org/presentationml/2006/main" xmlns:c="http://schemas.openxmlformats.org/drawingml/2006/chart" xmlns:dgm="http://schemas.openxmlformats.org/drawingml/2006/diagram" xmlns:o="urn:schemas-microsoft-com:office:office" xmlns:v="urn:schemas-microsoft-com:vml" xmlns:pvml="urn:schemas-microsoft-com:office:powerpoint" xmlns:com="http://schemas.openxmlformats.org/drawingml/2006/compatibility" xmlns:p14="http://schemas.microsoft.com/office/powerpoint/2010/main" xmlns:p15="http://schemas.microsoft.com/office/powerpoint/2012/main" xmlns:ahyp="http://schemas.microsoft.com/office/drawing/2018/hyperlinkcolor">
-  <p:cSld>
-    <p:spTree>
-      <p:nvGrpSpPr>
-        <p:cNvPr id="214" name="Shape 214"/>
-        <p:cNvGrpSpPr/>
-        <p:nvPr/>
-      </p:nvGrpSpPr>
-      <p:grpSpPr>
-        <a:xfrm>
-          <a:off x="0" y="0"/>
-          <a:ext cx="0" cy="0"/>
-          <a:chOff x="0" y="0"/>
-          <a:chExt cx="0" cy="0"/>
-        </a:xfrm>
-      </p:grpSpPr>
-      <p:sp>
-        <p:nvSpPr>
-          <p:cNvPr id="215" name="Google Shape;215;p41"/>
-          <p:cNvSpPr txBox="1"/>
-          <p:nvPr>
-            <p:ph type="title"/>
-          </p:nvPr>
-        </p:nvSpPr>
-        <p:spPr>
-          <a:xfrm>
-            <a:off x="311700" y="233775"/>
-            <a:ext cx="8520600" cy="572700"/>
-          </a:xfrm>
-          <a:prstGeom prst="rect">
-            <a:avLst/>
-          </a:prstGeom>
-          <a:noFill/>
-          <a:ln>
-            <a:noFill/>
-          </a:ln>
-        </p:spPr>
-        <p:txBody>
-          <a:bodyPr anchorCtr="0" anchor="t" bIns="91425" lIns="91425" spcFirstLastPara="1" rIns="91425" wrap="square" tIns="91425">
-            <a:noAutofit/>
-          </a:bodyPr>
-          <a:lstStyle/>
-          <a:p>
-            <a:pPr indent="0" lvl="0" marL="0" rtl="0" algn="l">
-              <a:lnSpc>
-                <a:spcPct val="100000"/>
-              </a:lnSpc>
-              <a:spcBef>
-                <a:spcPts val="0"/>
-              </a:spcBef>
-              <a:spcAft>
-                <a:spcPts val="0"/>
-              </a:spcAft>
-              <a:buSzPts val="2800"/>
-              <a:buNone/>
-            </a:pPr>
-            <a:r>
-              <a:rPr lang="en"/>
-              <a:t>Visualization packages and statistics</a:t>
-            </a:r>
-            <a:endParaRPr/>
-          </a:p>
-        </p:txBody>
-      </p:sp>
-      <p:sp>
-        <p:nvSpPr>
-          <p:cNvPr id="216" name="Google Shape;216;p41"/>
-          <p:cNvSpPr txBox="1"/>
-          <p:nvPr>
-            <p:ph idx="12" type="sldNum"/>
-          </p:nvPr>
-        </p:nvSpPr>
-        <p:spPr>
-          <a:xfrm>
-            <a:off x="8472458" y="4663217"/>
-            <a:ext cx="548700" cy="393600"/>
-          </a:xfrm>
-          <a:prstGeom prst="rect">
-            <a:avLst/>
-          </a:prstGeom>
-        </p:spPr>
-        <p:txBody>
-          <a:bodyPr anchorCtr="0" anchor="ctr" bIns="91425" lIns="91425" spcFirstLastPara="1" rIns="91425" wrap="square" tIns="91425">
-            <a:noAutofit/>
-          </a:bodyPr>
-          <a:lstStyle/>
-          <a:p>
-            <a:pPr indent="0" lvl="0" marL="0" rtl="0" algn="r">
-              <a:spcBef>
-                <a:spcPts val="0"/>
-              </a:spcBef>
-              <a:spcAft>
-                <a:spcPts val="0"/>
-              </a:spcAft>
-              <a:buNone/>
-            </a:pPr>
-            <a:fld id="{00000000-1234-1234-1234-123412341234}" type="slidenum">
-              <a:rPr lang="en"/>
-              <a:t>‹#›</a:t>
-            </a:fld>
-            <a:endParaRPr/>
-          </a:p>
-        </p:txBody>
-      </p:sp>
-      <p:sp>
-        <p:nvSpPr>
           <p:cNvPr id="217" name="Google Shape;217;p41"/>
-          <p:cNvSpPr txBox="1"/>
-          <p:nvPr>
-            <p:ph idx="1" type="body"/>
-          </p:nvPr>
-        </p:nvSpPr>
-        <p:spPr>
-          <a:xfrm>
-            <a:off x="311700" y="1152475"/>
-            <a:ext cx="8520600" cy="3416400"/>
-          </a:xfrm>
-          <a:prstGeom prst="rect">
-            <a:avLst/>
-          </a:prstGeom>
-          <a:noFill/>
-          <a:ln>
-            <a:noFill/>
-          </a:ln>
-        </p:spPr>
-        <p:txBody>
-          <a:bodyPr anchorCtr="0" anchor="t" bIns="91425" lIns="91425" spcFirstLastPara="1" rIns="91425" wrap="square" tIns="91425">
-            <a:noAutofit/>
-          </a:bodyPr>
-          <a:lstStyle/>
-          <a:p>
-            <a:pPr indent="-342900" lvl="0" marL="457200" rtl="0" algn="l">
-              <a:lnSpc>
-                <a:spcPct val="115000"/>
-              </a:lnSpc>
-              <a:spcBef>
-                <a:spcPts val="0"/>
-              </a:spcBef>
-              <a:spcAft>
-                <a:spcPts val="0"/>
-              </a:spcAft>
-              <a:buClr>
-                <a:srgbClr val="434343"/>
-              </a:buClr>
-              <a:buSzPts val="1800"/>
-              <a:buChar char="●"/>
-            </a:pPr>
-            <a:r>
-              <a:rPr lang="en">
-                <a:solidFill>
-                  <a:srgbClr val="434343"/>
-                </a:solidFill>
-              </a:rPr>
-              <a:t>What are the tests automatically integrated in the package?</a:t>
-            </a:r>
-            <a:endParaRPr>
-              <a:solidFill>
-                <a:srgbClr val="434343"/>
-              </a:solidFill>
-            </a:endParaRPr>
-          </a:p>
-          <a:p>
-            <a:pPr indent="-342900" lvl="0" marL="457200" rtl="0" algn="l">
-              <a:lnSpc>
-                <a:spcPct val="115000"/>
-              </a:lnSpc>
-              <a:spcBef>
-                <a:spcPts val="0"/>
-              </a:spcBef>
-              <a:spcAft>
-                <a:spcPts val="0"/>
-              </a:spcAft>
-              <a:buClr>
-                <a:srgbClr val="434343"/>
-              </a:buClr>
-              <a:buSzPts val="1800"/>
-              <a:buChar char="●"/>
-            </a:pPr>
-            <a:r>
-              <a:rPr lang="en">
-                <a:solidFill>
-                  <a:srgbClr val="434343"/>
-                </a:solidFill>
-              </a:rPr>
-              <a:t>Are these the statistical tests that are appropriate for your question(s)?</a:t>
-            </a:r>
-            <a:endParaRPr>
-              <a:solidFill>
-                <a:srgbClr val="434343"/>
-              </a:solidFill>
-            </a:endParaRPr>
-          </a:p>
-        </p:txBody>
-      </p:sp>
-      <p:sp>
-        <p:nvSpPr>
-          <p:cNvPr id="218" name="Google Shape;218;p41"/>
           <p:cNvSpPr txBox="1"/>
           <p:nvPr/>
         </p:nvSpPr>
@@ -17544,7 +17790,7 @@
   <p:cSld>
     <p:spTree>
       <p:nvGrpSpPr>
-        <p:cNvPr id="222" name="Shape 222"/>
+        <p:cNvPr id="221" name="Shape 221"/>
         <p:cNvGrpSpPr/>
         <p:nvPr/>
       </p:nvGrpSpPr>
@@ -17558,7 +17804,7 @@
       </p:grpSpPr>
       <p:sp>
         <p:nvSpPr>
-          <p:cNvPr id="223" name="Google Shape;223;p42"/>
+          <p:cNvPr id="222" name="Google Shape;222;p42"/>
           <p:cNvSpPr txBox="1"/>
           <p:nvPr>
             <p:ph type="title"/>
@@ -17606,7 +17852,7 @@
       </p:sp>
       <p:sp>
         <p:nvSpPr>
-          <p:cNvPr id="224" name="Google Shape;224;p42"/>
+          <p:cNvPr id="223" name="Google Shape;223;p42"/>
           <p:cNvSpPr txBox="1"/>
           <p:nvPr>
             <p:ph idx="12" type="sldNum"/>
@@ -17646,7 +17892,261 @@
       </p:sp>
       <p:sp>
         <p:nvSpPr>
+          <p:cNvPr id="224" name="Google Shape;224;p42"/>
+          <p:cNvSpPr txBox="1"/>
+          <p:nvPr>
+            <p:ph idx="1" type="body"/>
+          </p:nvPr>
+        </p:nvSpPr>
+        <p:spPr>
+          <a:xfrm>
+            <a:off x="311700" y="1152475"/>
+            <a:ext cx="8520600" cy="3416400"/>
+          </a:xfrm>
+          <a:prstGeom prst="rect">
+            <a:avLst/>
+          </a:prstGeom>
+          <a:noFill/>
+          <a:ln>
+            <a:noFill/>
+          </a:ln>
+        </p:spPr>
+        <p:txBody>
+          <a:bodyPr anchorCtr="0" anchor="t" bIns="91425" lIns="91425" spcFirstLastPara="1" rIns="91425" wrap="square" tIns="91425">
+            <a:noAutofit/>
+          </a:bodyPr>
+          <a:lstStyle/>
+          <a:p>
+            <a:pPr indent="-342900" lvl="0" marL="457200" rtl="0" algn="l">
+              <a:lnSpc>
+                <a:spcPct val="115000"/>
+              </a:lnSpc>
+              <a:spcBef>
+                <a:spcPts val="0"/>
+              </a:spcBef>
+              <a:spcAft>
+                <a:spcPts val="0"/>
+              </a:spcAft>
+              <a:buClr>
+                <a:srgbClr val="434343"/>
+              </a:buClr>
+              <a:buSzPts val="1800"/>
+              <a:buChar char="●"/>
+            </a:pPr>
+            <a:r>
+              <a:rPr lang="en">
+                <a:solidFill>
+                  <a:srgbClr val="434343"/>
+                </a:solidFill>
+              </a:rPr>
+              <a:t>What are the tests automatically integrated in the package?</a:t>
+            </a:r>
+            <a:endParaRPr>
+              <a:solidFill>
+                <a:srgbClr val="434343"/>
+              </a:solidFill>
+            </a:endParaRPr>
+          </a:p>
+          <a:p>
+            <a:pPr indent="-342900" lvl="0" marL="457200" rtl="0" algn="l">
+              <a:lnSpc>
+                <a:spcPct val="115000"/>
+              </a:lnSpc>
+              <a:spcBef>
+                <a:spcPts val="0"/>
+              </a:spcBef>
+              <a:spcAft>
+                <a:spcPts val="0"/>
+              </a:spcAft>
+              <a:buClr>
+                <a:srgbClr val="434343"/>
+              </a:buClr>
+              <a:buSzPts val="1800"/>
+              <a:buChar char="●"/>
+            </a:pPr>
+            <a:r>
+              <a:rPr lang="en">
+                <a:solidFill>
+                  <a:srgbClr val="434343"/>
+                </a:solidFill>
+              </a:rPr>
+              <a:t>Are these the statistical tests that are appropriate for your question(s)?</a:t>
+            </a:r>
+            <a:endParaRPr>
+              <a:solidFill>
+                <a:srgbClr val="434343"/>
+              </a:solidFill>
+            </a:endParaRPr>
+          </a:p>
+        </p:txBody>
+      </p:sp>
+      <p:sp>
+        <p:nvSpPr>
           <p:cNvPr id="225" name="Google Shape;225;p42"/>
+          <p:cNvSpPr txBox="1"/>
+          <p:nvPr/>
+        </p:nvSpPr>
+        <p:spPr>
+          <a:xfrm>
+            <a:off x="190825" y="4663225"/>
+            <a:ext cx="5843100" cy="3000000"/>
+          </a:xfrm>
+          <a:prstGeom prst="rect">
+            <a:avLst/>
+          </a:prstGeom>
+          <a:noFill/>
+          <a:ln>
+            <a:noFill/>
+          </a:ln>
+        </p:spPr>
+        <p:txBody>
+          <a:bodyPr anchorCtr="0" anchor="t" bIns="91425" lIns="91425" spcFirstLastPara="1" rIns="91425" wrap="square" tIns="91425">
+            <a:noAutofit/>
+          </a:bodyPr>
+          <a:lstStyle/>
+          <a:p>
+            <a:pPr indent="0" lvl="0" marL="0" rtl="0" algn="l">
+              <a:spcBef>
+                <a:spcPts val="0"/>
+              </a:spcBef>
+              <a:spcAft>
+                <a:spcPts val="0"/>
+              </a:spcAft>
+              <a:buNone/>
+            </a:pPr>
+            <a:r>
+              <a:rPr lang="en" u="sng">
+                <a:solidFill>
+                  <a:schemeClr val="hlink"/>
+                </a:solidFill>
+                <a:hlinkClick r:id="rId3"/>
+              </a:rPr>
+              <a:t>https://indrajeetpatil.github.io/ggstatsplot/</a:t>
+            </a:r>
+            <a:r>
+              <a:rPr lang="en"/>
+              <a:t> </a:t>
+            </a:r>
+            <a:endParaRPr/>
+          </a:p>
+        </p:txBody>
+      </p:sp>
+    </p:spTree>
+  </p:cSld>
+  <p:clrMapOvr>
+    <a:masterClrMapping/>
+  </p:clrMapOvr>
+</p:sld>
+</file>
+
+<file path=ppt/slides/slide19.xml><?xml version="1.0" encoding="utf-8"?>
+<p:sld xmlns:a="http://schemas.openxmlformats.org/drawingml/2006/main" xmlns:r="http://schemas.openxmlformats.org/officeDocument/2006/relationships" xmlns:mc="http://schemas.openxmlformats.org/markup-compatibility/2006" xmlns:mv="urn:schemas-microsoft-com:mac:vml" xmlns:p="http://schemas.openxmlformats.org/presentationml/2006/main" xmlns:c="http://schemas.openxmlformats.org/drawingml/2006/chart" xmlns:dgm="http://schemas.openxmlformats.org/drawingml/2006/diagram" xmlns:o="urn:schemas-microsoft-com:office:office" xmlns:v="urn:schemas-microsoft-com:vml" xmlns:pvml="urn:schemas-microsoft-com:office:powerpoint" xmlns:com="http://schemas.openxmlformats.org/drawingml/2006/compatibility" xmlns:p14="http://schemas.microsoft.com/office/powerpoint/2010/main" xmlns:p15="http://schemas.microsoft.com/office/powerpoint/2012/main" xmlns:ahyp="http://schemas.microsoft.com/office/drawing/2018/hyperlinkcolor">
+  <p:cSld>
+    <p:spTree>
+      <p:nvGrpSpPr>
+        <p:cNvPr id="229" name="Shape 229"/>
+        <p:cNvGrpSpPr/>
+        <p:nvPr/>
+      </p:nvGrpSpPr>
+      <p:grpSpPr>
+        <a:xfrm>
+          <a:off x="0" y="0"/>
+          <a:ext cx="0" cy="0"/>
+          <a:chOff x="0" y="0"/>
+          <a:chExt cx="0" cy="0"/>
+        </a:xfrm>
+      </p:grpSpPr>
+      <p:sp>
+        <p:nvSpPr>
+          <p:cNvPr id="230" name="Google Shape;230;p43"/>
+          <p:cNvSpPr txBox="1"/>
+          <p:nvPr>
+            <p:ph type="title"/>
+          </p:nvPr>
+        </p:nvSpPr>
+        <p:spPr>
+          <a:xfrm>
+            <a:off x="311700" y="233775"/>
+            <a:ext cx="8520600" cy="572700"/>
+          </a:xfrm>
+          <a:prstGeom prst="rect">
+            <a:avLst/>
+          </a:prstGeom>
+          <a:noFill/>
+          <a:ln>
+            <a:noFill/>
+          </a:ln>
+        </p:spPr>
+        <p:txBody>
+          <a:bodyPr anchorCtr="0" anchor="t" bIns="91425" lIns="91425" spcFirstLastPara="1" rIns="91425" wrap="square" tIns="91425">
+            <a:noAutofit/>
+          </a:bodyPr>
+          <a:lstStyle/>
+          <a:p>
+            <a:pPr indent="0" lvl="0" marL="0" rtl="0" algn="l">
+              <a:lnSpc>
+                <a:spcPct val="100000"/>
+              </a:lnSpc>
+              <a:spcBef>
+                <a:spcPts val="0"/>
+              </a:spcBef>
+              <a:spcAft>
+                <a:spcPts val="0"/>
+              </a:spcAft>
+              <a:buSzPts val="2800"/>
+              <a:buNone/>
+            </a:pPr>
+            <a:r>
+              <a:rPr lang="en"/>
+              <a:t>Visualization packages and statistics</a:t>
+            </a:r>
+            <a:endParaRPr/>
+          </a:p>
+        </p:txBody>
+      </p:sp>
+      <p:sp>
+        <p:nvSpPr>
+          <p:cNvPr id="231" name="Google Shape;231;p43"/>
+          <p:cNvSpPr txBox="1"/>
+          <p:nvPr>
+            <p:ph idx="12" type="sldNum"/>
+          </p:nvPr>
+        </p:nvSpPr>
+        <p:spPr>
+          <a:xfrm>
+            <a:off x="8472458" y="4663217"/>
+            <a:ext cx="548700" cy="393600"/>
+          </a:xfrm>
+          <a:prstGeom prst="rect">
+            <a:avLst/>
+          </a:prstGeom>
+        </p:spPr>
+        <p:txBody>
+          <a:bodyPr anchorCtr="0" anchor="ctr" bIns="91425" lIns="91425" spcFirstLastPara="1" rIns="91425" wrap="square" tIns="91425">
+            <a:noAutofit/>
+          </a:bodyPr>
+          <a:lstStyle/>
+          <a:p>
+            <a:pPr indent="0" lvl="0" marL="0" rtl="0" algn="r">
+              <a:spcBef>
+                <a:spcPts val="0"/>
+              </a:spcBef>
+              <a:spcAft>
+                <a:spcPts val="0"/>
+              </a:spcAft>
+              <a:buNone/>
+            </a:pPr>
+            <a:fld id="{00000000-1234-1234-1234-123412341234}" type="slidenum">
+              <a:rPr lang="en"/>
+              <a:t>‹#›</a:t>
+            </a:fld>
+            <a:endParaRPr/>
+          </a:p>
+        </p:txBody>
+      </p:sp>
+      <p:sp>
+        <p:nvSpPr>
+          <p:cNvPr id="232" name="Google Shape;232;p43"/>
           <p:cNvSpPr txBox="1"/>
           <p:nvPr>
             <p:ph idx="1" type="body"/>
@@ -17782,344 +18282,7 @@
       </p:sp>
       <p:sp>
         <p:nvSpPr>
-          <p:cNvPr id="226" name="Google Shape;226;p42"/>
-          <p:cNvSpPr txBox="1"/>
-          <p:nvPr/>
-        </p:nvSpPr>
-        <p:spPr>
-          <a:xfrm>
-            <a:off x="190825" y="4663225"/>
-            <a:ext cx="5843100" cy="3000000"/>
-          </a:xfrm>
-          <a:prstGeom prst="rect">
-            <a:avLst/>
-          </a:prstGeom>
-          <a:noFill/>
-          <a:ln>
-            <a:noFill/>
-          </a:ln>
-        </p:spPr>
-        <p:txBody>
-          <a:bodyPr anchorCtr="0" anchor="t" bIns="91425" lIns="91425" spcFirstLastPara="1" rIns="91425" wrap="square" tIns="91425">
-            <a:noAutofit/>
-          </a:bodyPr>
-          <a:lstStyle/>
-          <a:p>
-            <a:pPr indent="0" lvl="0" marL="0" rtl="0" algn="l">
-              <a:spcBef>
-                <a:spcPts val="0"/>
-              </a:spcBef>
-              <a:spcAft>
-                <a:spcPts val="0"/>
-              </a:spcAft>
-              <a:buNone/>
-            </a:pPr>
-            <a:r>
-              <a:rPr lang="en" u="sng">
-                <a:solidFill>
-                  <a:schemeClr val="hlink"/>
-                </a:solidFill>
-                <a:hlinkClick r:id="rId3"/>
-              </a:rPr>
-              <a:t>https://indrajeetpatil.github.io/ggstatsplot/</a:t>
-            </a:r>
-            <a:r>
-              <a:rPr lang="en"/>
-              <a:t> </a:t>
-            </a:r>
-            <a:endParaRPr/>
-          </a:p>
-        </p:txBody>
-      </p:sp>
-    </p:spTree>
-  </p:cSld>
-  <p:clrMapOvr>
-    <a:masterClrMapping/>
-  </p:clrMapOvr>
-</p:sld>
-</file>
-
-<file path=ppt/slides/slide19.xml><?xml version="1.0" encoding="utf-8"?>
-<p:sld xmlns:a="http://schemas.openxmlformats.org/drawingml/2006/main" xmlns:r="http://schemas.openxmlformats.org/officeDocument/2006/relationships" xmlns:mc="http://schemas.openxmlformats.org/markup-compatibility/2006" xmlns:mv="urn:schemas-microsoft-com:mac:vml" xmlns:p="http://schemas.openxmlformats.org/presentationml/2006/main" xmlns:c="http://schemas.openxmlformats.org/drawingml/2006/chart" xmlns:dgm="http://schemas.openxmlformats.org/drawingml/2006/diagram" xmlns:o="urn:schemas-microsoft-com:office:office" xmlns:v="urn:schemas-microsoft-com:vml" xmlns:pvml="urn:schemas-microsoft-com:office:powerpoint" xmlns:com="http://schemas.openxmlformats.org/drawingml/2006/compatibility" xmlns:p14="http://schemas.microsoft.com/office/powerpoint/2010/main" xmlns:p15="http://schemas.microsoft.com/office/powerpoint/2012/main" xmlns:ahyp="http://schemas.microsoft.com/office/drawing/2018/hyperlinkcolor">
-  <p:cSld>
-    <p:spTree>
-      <p:nvGrpSpPr>
-        <p:cNvPr id="230" name="Shape 230"/>
-        <p:cNvGrpSpPr/>
-        <p:nvPr/>
-      </p:nvGrpSpPr>
-      <p:grpSpPr>
-        <a:xfrm>
-          <a:off x="0" y="0"/>
-          <a:ext cx="0" cy="0"/>
-          <a:chOff x="0" y="0"/>
-          <a:chExt cx="0" cy="0"/>
-        </a:xfrm>
-      </p:grpSpPr>
-      <p:sp>
-        <p:nvSpPr>
-          <p:cNvPr id="231" name="Google Shape;231;p43"/>
-          <p:cNvSpPr txBox="1"/>
-          <p:nvPr>
-            <p:ph type="title"/>
-          </p:nvPr>
-        </p:nvSpPr>
-        <p:spPr>
-          <a:xfrm>
-            <a:off x="311700" y="233775"/>
-            <a:ext cx="8520600" cy="572700"/>
-          </a:xfrm>
-          <a:prstGeom prst="rect">
-            <a:avLst/>
-          </a:prstGeom>
-          <a:noFill/>
-          <a:ln>
-            <a:noFill/>
-          </a:ln>
-        </p:spPr>
-        <p:txBody>
-          <a:bodyPr anchorCtr="0" anchor="t" bIns="91425" lIns="91425" spcFirstLastPara="1" rIns="91425" wrap="square" tIns="91425">
-            <a:noAutofit/>
-          </a:bodyPr>
-          <a:lstStyle/>
-          <a:p>
-            <a:pPr indent="0" lvl="0" marL="0" rtl="0" algn="l">
-              <a:lnSpc>
-                <a:spcPct val="100000"/>
-              </a:lnSpc>
-              <a:spcBef>
-                <a:spcPts val="0"/>
-              </a:spcBef>
-              <a:spcAft>
-                <a:spcPts val="0"/>
-              </a:spcAft>
-              <a:buSzPts val="2800"/>
-              <a:buNone/>
-            </a:pPr>
-            <a:r>
-              <a:rPr lang="en"/>
-              <a:t>Visualization packages and statistics</a:t>
-            </a:r>
-            <a:endParaRPr/>
-          </a:p>
-        </p:txBody>
-      </p:sp>
-      <p:sp>
-        <p:nvSpPr>
-          <p:cNvPr id="232" name="Google Shape;232;p43"/>
-          <p:cNvSpPr txBox="1"/>
-          <p:nvPr>
-            <p:ph idx="12" type="sldNum"/>
-          </p:nvPr>
-        </p:nvSpPr>
-        <p:spPr>
-          <a:xfrm>
-            <a:off x="8472458" y="4663217"/>
-            <a:ext cx="548700" cy="393600"/>
-          </a:xfrm>
-          <a:prstGeom prst="rect">
-            <a:avLst/>
-          </a:prstGeom>
-        </p:spPr>
-        <p:txBody>
-          <a:bodyPr anchorCtr="0" anchor="ctr" bIns="91425" lIns="91425" spcFirstLastPara="1" rIns="91425" wrap="square" tIns="91425">
-            <a:noAutofit/>
-          </a:bodyPr>
-          <a:lstStyle/>
-          <a:p>
-            <a:pPr indent="0" lvl="0" marL="0" rtl="0" algn="r">
-              <a:spcBef>
-                <a:spcPts val="0"/>
-              </a:spcBef>
-              <a:spcAft>
-                <a:spcPts val="0"/>
-              </a:spcAft>
-              <a:buNone/>
-            </a:pPr>
-            <a:fld id="{00000000-1234-1234-1234-123412341234}" type="slidenum">
-              <a:rPr lang="en"/>
-              <a:t>‹#›</a:t>
-            </a:fld>
-            <a:endParaRPr/>
-          </a:p>
-        </p:txBody>
-      </p:sp>
-      <p:sp>
-        <p:nvSpPr>
           <p:cNvPr id="233" name="Google Shape;233;p43"/>
-          <p:cNvSpPr txBox="1"/>
-          <p:nvPr>
-            <p:ph idx="1" type="body"/>
-          </p:nvPr>
-        </p:nvSpPr>
-        <p:spPr>
-          <a:xfrm>
-            <a:off x="311700" y="1152475"/>
-            <a:ext cx="8520600" cy="3416400"/>
-          </a:xfrm>
-          <a:prstGeom prst="rect">
-            <a:avLst/>
-          </a:prstGeom>
-          <a:noFill/>
-          <a:ln>
-            <a:noFill/>
-          </a:ln>
-        </p:spPr>
-        <p:txBody>
-          <a:bodyPr anchorCtr="0" anchor="t" bIns="91425" lIns="91425" spcFirstLastPara="1" rIns="91425" wrap="square" tIns="91425">
-            <a:noAutofit/>
-          </a:bodyPr>
-          <a:lstStyle/>
-          <a:p>
-            <a:pPr indent="-342900" lvl="0" marL="457200" rtl="0" algn="l">
-              <a:lnSpc>
-                <a:spcPct val="115000"/>
-              </a:lnSpc>
-              <a:spcBef>
-                <a:spcPts val="0"/>
-              </a:spcBef>
-              <a:spcAft>
-                <a:spcPts val="0"/>
-              </a:spcAft>
-              <a:buClr>
-                <a:srgbClr val="434343"/>
-              </a:buClr>
-              <a:buSzPts val="1800"/>
-              <a:buChar char="●"/>
-            </a:pPr>
-            <a:r>
-              <a:rPr lang="en">
-                <a:solidFill>
-                  <a:srgbClr val="434343"/>
-                </a:solidFill>
-              </a:rPr>
-              <a:t>What are the tests automatically integrated in the package?</a:t>
-            </a:r>
-            <a:endParaRPr>
-              <a:solidFill>
-                <a:srgbClr val="434343"/>
-              </a:solidFill>
-            </a:endParaRPr>
-          </a:p>
-          <a:p>
-            <a:pPr indent="-342900" lvl="0" marL="457200" rtl="0" algn="l">
-              <a:lnSpc>
-                <a:spcPct val="115000"/>
-              </a:lnSpc>
-              <a:spcBef>
-                <a:spcPts val="0"/>
-              </a:spcBef>
-              <a:spcAft>
-                <a:spcPts val="0"/>
-              </a:spcAft>
-              <a:buClr>
-                <a:srgbClr val="434343"/>
-              </a:buClr>
-              <a:buSzPts val="1800"/>
-              <a:buChar char="●"/>
-            </a:pPr>
-            <a:r>
-              <a:rPr lang="en">
-                <a:solidFill>
-                  <a:srgbClr val="434343"/>
-                </a:solidFill>
-              </a:rPr>
-              <a:t>Are these the statistical tests that are appropriate for your question(s)?</a:t>
-            </a:r>
-            <a:endParaRPr>
-              <a:solidFill>
-                <a:srgbClr val="434343"/>
-              </a:solidFill>
-            </a:endParaRPr>
-          </a:p>
-          <a:p>
-            <a:pPr indent="-342900" lvl="0" marL="457200" rtl="0" algn="l">
-              <a:lnSpc>
-                <a:spcPct val="115000"/>
-              </a:lnSpc>
-              <a:spcBef>
-                <a:spcPts val="0"/>
-              </a:spcBef>
-              <a:spcAft>
-                <a:spcPts val="0"/>
-              </a:spcAft>
-              <a:buClr>
-                <a:srgbClr val="434343"/>
-              </a:buClr>
-              <a:buSzPts val="1800"/>
-              <a:buChar char="●"/>
-            </a:pPr>
-            <a:r>
-              <a:rPr lang="en">
-                <a:solidFill>
-                  <a:srgbClr val="434343"/>
-                </a:solidFill>
-              </a:rPr>
-              <a:t>If the visualization doesn’t require statistics, </a:t>
-            </a:r>
-            <a:br>
-              <a:rPr lang="en">
-                <a:solidFill>
-                  <a:srgbClr val="434343"/>
-                </a:solidFill>
-              </a:rPr>
-            </a:br>
-            <a:r>
-              <a:rPr lang="en">
-                <a:solidFill>
-                  <a:srgbClr val="434343"/>
-                </a:solidFill>
-              </a:rPr>
-              <a:t>then is it saying anything useful about your results?</a:t>
-            </a:r>
-            <a:endParaRPr>
-              <a:solidFill>
-                <a:srgbClr val="434343"/>
-              </a:solidFill>
-            </a:endParaRPr>
-          </a:p>
-          <a:p>
-            <a:pPr indent="-317500" lvl="1" marL="914400" rtl="0" algn="l">
-              <a:lnSpc>
-                <a:spcPct val="115000"/>
-              </a:lnSpc>
-              <a:spcBef>
-                <a:spcPts val="0"/>
-              </a:spcBef>
-              <a:spcAft>
-                <a:spcPts val="0"/>
-              </a:spcAft>
-              <a:buClr>
-                <a:srgbClr val="434343"/>
-              </a:buClr>
-              <a:buSzPts val="1400"/>
-              <a:buChar char="○"/>
-            </a:pPr>
-            <a:r>
-              <a:rPr lang="en">
-                <a:solidFill>
-                  <a:srgbClr val="434343"/>
-                </a:solidFill>
-                <a:highlight>
-                  <a:srgbClr val="FFE599"/>
-                </a:highlight>
-              </a:rPr>
-              <a:t>Distinction between exploratory visualizations and results</a:t>
-            </a:r>
-            <a:endParaRPr>
-              <a:solidFill>
-                <a:srgbClr val="434343"/>
-              </a:solidFill>
-              <a:highlight>
-                <a:srgbClr val="FFE599"/>
-              </a:highlight>
-            </a:endParaRPr>
-          </a:p>
-        </p:txBody>
-      </p:sp>
-      <p:sp>
-        <p:nvSpPr>
-          <p:cNvPr id="234" name="Google Shape;234;p43"/>
           <p:cNvSpPr txBox="1"/>
           <p:nvPr/>
         </p:nvSpPr>
@@ -18409,7 +18572,7 @@
   <p:cSld>
     <p:spTree>
       <p:nvGrpSpPr>
-        <p:cNvPr id="238" name="Shape 238"/>
+        <p:cNvPr id="237" name="Shape 237"/>
         <p:cNvGrpSpPr/>
         <p:nvPr/>
       </p:nvGrpSpPr>
@@ -18423,7 +18586,344 @@
       </p:grpSpPr>
       <p:sp>
         <p:nvSpPr>
+          <p:cNvPr id="238" name="Google Shape;238;p44"/>
+          <p:cNvSpPr txBox="1"/>
+          <p:nvPr>
+            <p:ph type="title"/>
+          </p:nvPr>
+        </p:nvSpPr>
+        <p:spPr>
+          <a:xfrm>
+            <a:off x="311700" y="233775"/>
+            <a:ext cx="8520600" cy="572700"/>
+          </a:xfrm>
+          <a:prstGeom prst="rect">
+            <a:avLst/>
+          </a:prstGeom>
+          <a:noFill/>
+          <a:ln>
+            <a:noFill/>
+          </a:ln>
+        </p:spPr>
+        <p:txBody>
+          <a:bodyPr anchorCtr="0" anchor="t" bIns="91425" lIns="91425" spcFirstLastPara="1" rIns="91425" wrap="square" tIns="91425">
+            <a:noAutofit/>
+          </a:bodyPr>
+          <a:lstStyle/>
+          <a:p>
+            <a:pPr indent="0" lvl="0" marL="0" rtl="0" algn="l">
+              <a:lnSpc>
+                <a:spcPct val="100000"/>
+              </a:lnSpc>
+              <a:spcBef>
+                <a:spcPts val="0"/>
+              </a:spcBef>
+              <a:spcAft>
+                <a:spcPts val="0"/>
+              </a:spcAft>
+              <a:buSzPts val="2800"/>
+              <a:buNone/>
+            </a:pPr>
+            <a:r>
+              <a:rPr lang="en"/>
+              <a:t>Visualization packages and statistics</a:t>
+            </a:r>
+            <a:endParaRPr/>
+          </a:p>
+        </p:txBody>
+      </p:sp>
+      <p:sp>
+        <p:nvSpPr>
           <p:cNvPr id="239" name="Google Shape;239;p44"/>
+          <p:cNvSpPr txBox="1"/>
+          <p:nvPr>
+            <p:ph idx="12" type="sldNum"/>
+          </p:nvPr>
+        </p:nvSpPr>
+        <p:spPr>
+          <a:xfrm>
+            <a:off x="8472458" y="4663217"/>
+            <a:ext cx="548700" cy="393600"/>
+          </a:xfrm>
+          <a:prstGeom prst="rect">
+            <a:avLst/>
+          </a:prstGeom>
+        </p:spPr>
+        <p:txBody>
+          <a:bodyPr anchorCtr="0" anchor="ctr" bIns="91425" lIns="91425" spcFirstLastPara="1" rIns="91425" wrap="square" tIns="91425">
+            <a:noAutofit/>
+          </a:bodyPr>
+          <a:lstStyle/>
+          <a:p>
+            <a:pPr indent="0" lvl="0" marL="0" rtl="0" algn="r">
+              <a:spcBef>
+                <a:spcPts val="0"/>
+              </a:spcBef>
+              <a:spcAft>
+                <a:spcPts val="0"/>
+              </a:spcAft>
+              <a:buNone/>
+            </a:pPr>
+            <a:fld id="{00000000-1234-1234-1234-123412341234}" type="slidenum">
+              <a:rPr lang="en"/>
+              <a:t>‹#›</a:t>
+            </a:fld>
+            <a:endParaRPr/>
+          </a:p>
+        </p:txBody>
+      </p:sp>
+      <p:sp>
+        <p:nvSpPr>
+          <p:cNvPr id="240" name="Google Shape;240;p44"/>
+          <p:cNvSpPr txBox="1"/>
+          <p:nvPr>
+            <p:ph idx="1" type="body"/>
+          </p:nvPr>
+        </p:nvSpPr>
+        <p:spPr>
+          <a:xfrm>
+            <a:off x="311700" y="1152475"/>
+            <a:ext cx="8520600" cy="3416400"/>
+          </a:xfrm>
+          <a:prstGeom prst="rect">
+            <a:avLst/>
+          </a:prstGeom>
+          <a:noFill/>
+          <a:ln>
+            <a:noFill/>
+          </a:ln>
+        </p:spPr>
+        <p:txBody>
+          <a:bodyPr anchorCtr="0" anchor="t" bIns="91425" lIns="91425" spcFirstLastPara="1" rIns="91425" wrap="square" tIns="91425">
+            <a:noAutofit/>
+          </a:bodyPr>
+          <a:lstStyle/>
+          <a:p>
+            <a:pPr indent="-342900" lvl="0" marL="457200" rtl="0" algn="l">
+              <a:lnSpc>
+                <a:spcPct val="115000"/>
+              </a:lnSpc>
+              <a:spcBef>
+                <a:spcPts val="0"/>
+              </a:spcBef>
+              <a:spcAft>
+                <a:spcPts val="0"/>
+              </a:spcAft>
+              <a:buClr>
+                <a:srgbClr val="434343"/>
+              </a:buClr>
+              <a:buSzPts val="1800"/>
+              <a:buChar char="●"/>
+            </a:pPr>
+            <a:r>
+              <a:rPr lang="en">
+                <a:solidFill>
+                  <a:srgbClr val="434343"/>
+                </a:solidFill>
+              </a:rPr>
+              <a:t>What are the tests automatically integrated in the package?</a:t>
+            </a:r>
+            <a:endParaRPr>
+              <a:solidFill>
+                <a:srgbClr val="434343"/>
+              </a:solidFill>
+            </a:endParaRPr>
+          </a:p>
+          <a:p>
+            <a:pPr indent="-342900" lvl="0" marL="457200" rtl="0" algn="l">
+              <a:lnSpc>
+                <a:spcPct val="115000"/>
+              </a:lnSpc>
+              <a:spcBef>
+                <a:spcPts val="0"/>
+              </a:spcBef>
+              <a:spcAft>
+                <a:spcPts val="0"/>
+              </a:spcAft>
+              <a:buClr>
+                <a:srgbClr val="434343"/>
+              </a:buClr>
+              <a:buSzPts val="1800"/>
+              <a:buChar char="●"/>
+            </a:pPr>
+            <a:r>
+              <a:rPr lang="en">
+                <a:solidFill>
+                  <a:srgbClr val="434343"/>
+                </a:solidFill>
+              </a:rPr>
+              <a:t>Are these the statistical tests that are appropriate for your question(s)?</a:t>
+            </a:r>
+            <a:endParaRPr>
+              <a:solidFill>
+                <a:srgbClr val="434343"/>
+              </a:solidFill>
+            </a:endParaRPr>
+          </a:p>
+          <a:p>
+            <a:pPr indent="-342900" lvl="0" marL="457200" rtl="0" algn="l">
+              <a:lnSpc>
+                <a:spcPct val="115000"/>
+              </a:lnSpc>
+              <a:spcBef>
+                <a:spcPts val="0"/>
+              </a:spcBef>
+              <a:spcAft>
+                <a:spcPts val="0"/>
+              </a:spcAft>
+              <a:buClr>
+                <a:srgbClr val="434343"/>
+              </a:buClr>
+              <a:buSzPts val="1800"/>
+              <a:buChar char="●"/>
+            </a:pPr>
+            <a:r>
+              <a:rPr lang="en">
+                <a:solidFill>
+                  <a:srgbClr val="434343"/>
+                </a:solidFill>
+              </a:rPr>
+              <a:t>If the visualization doesn’t require statistics, </a:t>
+            </a:r>
+            <a:br>
+              <a:rPr lang="en">
+                <a:solidFill>
+                  <a:srgbClr val="434343"/>
+                </a:solidFill>
+              </a:rPr>
+            </a:br>
+            <a:r>
+              <a:rPr lang="en">
+                <a:solidFill>
+                  <a:srgbClr val="434343"/>
+                </a:solidFill>
+              </a:rPr>
+              <a:t>then is it saying anything useful about your results?</a:t>
+            </a:r>
+            <a:endParaRPr>
+              <a:solidFill>
+                <a:srgbClr val="434343"/>
+              </a:solidFill>
+            </a:endParaRPr>
+          </a:p>
+          <a:p>
+            <a:pPr indent="-317500" lvl="1" marL="914400" rtl="0" algn="l">
+              <a:lnSpc>
+                <a:spcPct val="115000"/>
+              </a:lnSpc>
+              <a:spcBef>
+                <a:spcPts val="0"/>
+              </a:spcBef>
+              <a:spcAft>
+                <a:spcPts val="0"/>
+              </a:spcAft>
+              <a:buClr>
+                <a:srgbClr val="434343"/>
+              </a:buClr>
+              <a:buSzPts val="1400"/>
+              <a:buChar char="○"/>
+            </a:pPr>
+            <a:r>
+              <a:rPr lang="en">
+                <a:solidFill>
+                  <a:srgbClr val="434343"/>
+                </a:solidFill>
+                <a:highlight>
+                  <a:srgbClr val="FFE599"/>
+                </a:highlight>
+              </a:rPr>
+              <a:t>Distinction between exploratory visualizations and results</a:t>
+            </a:r>
+            <a:endParaRPr>
+              <a:solidFill>
+                <a:srgbClr val="434343"/>
+              </a:solidFill>
+              <a:highlight>
+                <a:srgbClr val="FFE599"/>
+              </a:highlight>
+            </a:endParaRPr>
+          </a:p>
+        </p:txBody>
+      </p:sp>
+      <p:sp>
+        <p:nvSpPr>
+          <p:cNvPr id="241" name="Google Shape;241;p44"/>
+          <p:cNvSpPr txBox="1"/>
+          <p:nvPr/>
+        </p:nvSpPr>
+        <p:spPr>
+          <a:xfrm>
+            <a:off x="190825" y="4663225"/>
+            <a:ext cx="5843100" cy="3000000"/>
+          </a:xfrm>
+          <a:prstGeom prst="rect">
+            <a:avLst/>
+          </a:prstGeom>
+          <a:noFill/>
+          <a:ln>
+            <a:noFill/>
+          </a:ln>
+        </p:spPr>
+        <p:txBody>
+          <a:bodyPr anchorCtr="0" anchor="t" bIns="91425" lIns="91425" spcFirstLastPara="1" rIns="91425" wrap="square" tIns="91425">
+            <a:noAutofit/>
+          </a:bodyPr>
+          <a:lstStyle/>
+          <a:p>
+            <a:pPr indent="0" lvl="0" marL="0" rtl="0" algn="l">
+              <a:spcBef>
+                <a:spcPts val="0"/>
+              </a:spcBef>
+              <a:spcAft>
+                <a:spcPts val="0"/>
+              </a:spcAft>
+              <a:buNone/>
+            </a:pPr>
+            <a:r>
+              <a:rPr lang="en" u="sng">
+                <a:solidFill>
+                  <a:schemeClr val="hlink"/>
+                </a:solidFill>
+                <a:hlinkClick r:id="rId3"/>
+              </a:rPr>
+              <a:t>https://indrajeetpatil.github.io/ggstatsplot/</a:t>
+            </a:r>
+            <a:r>
+              <a:rPr lang="en"/>
+              <a:t> </a:t>
+            </a:r>
+            <a:endParaRPr/>
+          </a:p>
+        </p:txBody>
+      </p:sp>
+    </p:spTree>
+  </p:cSld>
+  <p:clrMapOvr>
+    <a:masterClrMapping/>
+  </p:clrMapOvr>
+</p:sld>
+</file>
+
+<file path=ppt/slides/slide21.xml><?xml version="1.0" encoding="utf-8"?>
+<p:sld xmlns:a="http://schemas.openxmlformats.org/drawingml/2006/main" xmlns:r="http://schemas.openxmlformats.org/officeDocument/2006/relationships" xmlns:mc="http://schemas.openxmlformats.org/markup-compatibility/2006" xmlns:mv="urn:schemas-microsoft-com:mac:vml" xmlns:p="http://schemas.openxmlformats.org/presentationml/2006/main" xmlns:c="http://schemas.openxmlformats.org/drawingml/2006/chart" xmlns:dgm="http://schemas.openxmlformats.org/drawingml/2006/diagram" xmlns:o="urn:schemas-microsoft-com:office:office" xmlns:v="urn:schemas-microsoft-com:vml" xmlns:pvml="urn:schemas-microsoft-com:office:powerpoint" xmlns:com="http://schemas.openxmlformats.org/drawingml/2006/compatibility" xmlns:p14="http://schemas.microsoft.com/office/powerpoint/2010/main" xmlns:p15="http://schemas.microsoft.com/office/powerpoint/2012/main" xmlns:ahyp="http://schemas.microsoft.com/office/drawing/2018/hyperlinkcolor">
+  <p:cSld>
+    <p:spTree>
+      <p:nvGrpSpPr>
+        <p:cNvPr id="245" name="Shape 245"/>
+        <p:cNvGrpSpPr/>
+        <p:nvPr/>
+      </p:nvGrpSpPr>
+      <p:grpSpPr>
+        <a:xfrm>
+          <a:off x="0" y="0"/>
+          <a:ext cx="0" cy="0"/>
+          <a:chOff x="0" y="0"/>
+          <a:chExt cx="0" cy="0"/>
+        </a:xfrm>
+      </p:grpSpPr>
+      <p:sp>
+        <p:nvSpPr>
+          <p:cNvPr id="246" name="Google Shape;246;p45"/>
           <p:cNvSpPr/>
           <p:nvPr/>
         </p:nvSpPr>
@@ -18482,7 +18982,7 @@
       </p:sp>
       <p:sp>
         <p:nvSpPr>
-          <p:cNvPr id="240" name="Google Shape;240;p44"/>
+          <p:cNvPr id="247" name="Google Shape;247;p45"/>
           <p:cNvSpPr txBox="1"/>
           <p:nvPr>
             <p:ph type="title"/>
@@ -18596,7 +19096,7 @@
       </p:sp>
       <p:sp>
         <p:nvSpPr>
-          <p:cNvPr id="241" name="Google Shape;241;p44"/>
+          <p:cNvPr id="248" name="Google Shape;248;p45"/>
           <p:cNvSpPr txBox="1"/>
           <p:nvPr>
             <p:ph idx="12" type="sldNum"/>
@@ -18636,7 +19136,7 @@
       </p:sp>
       <p:pic>
         <p:nvPicPr>
-          <p:cNvPr id="242" name="Google Shape;242;p44"/>
+          <p:cNvPr id="249" name="Google Shape;249;p45"/>
           <p:cNvPicPr preferRelativeResize="0"/>
           <p:nvPr/>
         </p:nvPicPr>
@@ -18644,13 +19144,13 @@
           <a:blip r:embed="rId3">
             <a:alphaModFix/>
           </a:blip>
-          <a:srcRect b="0" l="0" r="51721" t="52787"/>
+          <a:srcRect b="7952" l="0" r="0" t="0"/>
           <a:stretch/>
         </p:blipFill>
         <p:spPr>
           <a:xfrm>
-            <a:off x="6110203" y="625603"/>
-            <a:ext cx="2485325" cy="848400"/>
+            <a:off x="5787700" y="514950"/>
+            <a:ext cx="2882350" cy="860375"/>
           </a:xfrm>
           <a:prstGeom prst="rect">
             <a:avLst/>
@@ -18669,12 +19169,12 @@
 </p:sld>
 </file>
 
-<file path=ppt/slides/slide21.xml><?xml version="1.0" encoding="utf-8"?>
+<file path=ppt/slides/slide22.xml><?xml version="1.0" encoding="utf-8"?>
 <p:sld xmlns:a="http://schemas.openxmlformats.org/drawingml/2006/main" xmlns:r="http://schemas.openxmlformats.org/officeDocument/2006/relationships" xmlns:mc="http://schemas.openxmlformats.org/markup-compatibility/2006" xmlns:mv="urn:schemas-microsoft-com:mac:vml" xmlns:p="http://schemas.openxmlformats.org/presentationml/2006/main" xmlns:c="http://schemas.openxmlformats.org/drawingml/2006/chart" xmlns:dgm="http://schemas.openxmlformats.org/drawingml/2006/diagram" xmlns:o="urn:schemas-microsoft-com:office:office" xmlns:v="urn:schemas-microsoft-com:vml" xmlns:pvml="urn:schemas-microsoft-com:office:powerpoint" xmlns:com="http://schemas.openxmlformats.org/drawingml/2006/compatibility" xmlns:p14="http://schemas.microsoft.com/office/powerpoint/2010/main" xmlns:p15="http://schemas.microsoft.com/office/powerpoint/2012/main" xmlns:ahyp="http://schemas.microsoft.com/office/drawing/2018/hyperlinkcolor">
   <p:cSld>
     <p:spTree>
       <p:nvGrpSpPr>
-        <p:cNvPr id="246" name="Shape 246"/>
+        <p:cNvPr id="253" name="Shape 253"/>
         <p:cNvGrpSpPr/>
         <p:nvPr/>
       </p:nvGrpSpPr>
@@ -18688,7 +19188,7 @@
       </p:grpSpPr>
       <p:sp>
         <p:nvSpPr>
-          <p:cNvPr id="247" name="Google Shape;247;p45"/>
+          <p:cNvPr id="254" name="Google Shape;254;p46"/>
           <p:cNvSpPr/>
           <p:nvPr/>
         </p:nvSpPr>
@@ -18747,7 +19247,7 @@
       </p:sp>
       <p:sp>
         <p:nvSpPr>
-          <p:cNvPr id="248" name="Google Shape;248;p45"/>
+          <p:cNvPr id="255" name="Google Shape;255;p46"/>
           <p:cNvSpPr txBox="1"/>
           <p:nvPr>
             <p:ph type="title"/>
@@ -19009,7 +19509,7 @@
       </p:sp>
       <p:sp>
         <p:nvSpPr>
-          <p:cNvPr id="249" name="Google Shape;249;p45"/>
+          <p:cNvPr id="256" name="Google Shape;256;p46"/>
           <p:cNvSpPr txBox="1"/>
           <p:nvPr>
             <p:ph idx="12" type="sldNum"/>
@@ -19805,6 +20305,376 @@
       <p:sp>
         <p:nvSpPr>
           <p:cNvPr id="130" name="Google Shape;130;p29"/>
+          <p:cNvSpPr/>
+          <p:nvPr/>
+        </p:nvSpPr>
+        <p:spPr>
+          <a:xfrm>
+            <a:off x="311700" y="347100"/>
+            <a:ext cx="8520600" cy="4449300"/>
+          </a:xfrm>
+          <a:prstGeom prst="rect">
+            <a:avLst/>
+          </a:prstGeom>
+          <a:solidFill>
+            <a:srgbClr val="B6D7A8"/>
+          </a:solidFill>
+          <a:ln>
+            <a:noFill/>
+          </a:ln>
+        </p:spPr>
+        <p:txBody>
+          <a:bodyPr anchorCtr="0" anchor="ctr" bIns="91425" lIns="91425" spcFirstLastPara="1" rIns="91425" wrap="square" tIns="91425">
+            <a:noAutofit/>
+          </a:bodyPr>
+          <a:lstStyle/>
+          <a:p>
+            <a:pPr indent="0" lvl="0" marL="0" marR="0" rtl="0" algn="l">
+              <a:lnSpc>
+                <a:spcPct val="100000"/>
+              </a:lnSpc>
+              <a:spcBef>
+                <a:spcPts val="0"/>
+              </a:spcBef>
+              <a:spcAft>
+                <a:spcPts val="0"/>
+              </a:spcAft>
+              <a:buClr>
+                <a:srgbClr val="000000"/>
+              </a:buClr>
+              <a:buSzPts val="1400"/>
+              <a:buFont typeface="Arial"/>
+              <a:buNone/>
+            </a:pPr>
+            <a:r>
+              <a:t/>
+            </a:r>
+            <a:endParaRPr b="0" i="0" sz="1400" u="none" cap="none" strike="noStrike">
+              <a:solidFill>
+                <a:srgbClr val="000000"/>
+              </a:solidFill>
+              <a:latin typeface="Arial"/>
+              <a:ea typeface="Arial"/>
+              <a:cs typeface="Arial"/>
+              <a:sym typeface="Arial"/>
+            </a:endParaRPr>
+          </a:p>
+        </p:txBody>
+      </p:sp>
+      <p:sp>
+        <p:nvSpPr>
+          <p:cNvPr id="131" name="Google Shape;131;p29"/>
+          <p:cNvSpPr txBox="1"/>
+          <p:nvPr>
+            <p:ph type="title"/>
+          </p:nvPr>
+        </p:nvSpPr>
+        <p:spPr>
+          <a:xfrm>
+            <a:off x="495275" y="2983675"/>
+            <a:ext cx="8273400" cy="841800"/>
+          </a:xfrm>
+          <a:prstGeom prst="rect">
+            <a:avLst/>
+          </a:prstGeom>
+          <a:noFill/>
+          <a:ln>
+            <a:noFill/>
+          </a:ln>
+        </p:spPr>
+        <p:txBody>
+          <a:bodyPr anchorCtr="0" anchor="ctr" bIns="91425" lIns="91425" spcFirstLastPara="1" rIns="91425" wrap="square" tIns="91425">
+            <a:noAutofit/>
+          </a:bodyPr>
+          <a:lstStyle/>
+          <a:p>
+            <a:pPr indent="0" lvl="0" marL="0" rtl="0" algn="ctr">
+              <a:lnSpc>
+                <a:spcPct val="100000"/>
+              </a:lnSpc>
+              <a:spcBef>
+                <a:spcPts val="0"/>
+              </a:spcBef>
+              <a:spcAft>
+                <a:spcPts val="0"/>
+              </a:spcAft>
+              <a:buSzPts val="3600"/>
+              <a:buNone/>
+            </a:pPr>
+            <a:r>
+              <a:rPr b="1" lang="en"/>
+              <a:t>Zoom Poll</a:t>
+            </a:r>
+            <a:endParaRPr b="1"/>
+          </a:p>
+          <a:p>
+            <a:pPr indent="0" lvl="0" marL="0" rtl="0" algn="ctr">
+              <a:lnSpc>
+                <a:spcPct val="100000"/>
+              </a:lnSpc>
+              <a:spcBef>
+                <a:spcPts val="0"/>
+              </a:spcBef>
+              <a:spcAft>
+                <a:spcPts val="0"/>
+              </a:spcAft>
+              <a:buSzPts val="3600"/>
+              <a:buNone/>
+            </a:pPr>
+            <a:r>
+              <a:t/>
+            </a:r>
+            <a:endParaRPr b="1"/>
+          </a:p>
+          <a:p>
+            <a:pPr indent="0" lvl="0" marL="0" rtl="0" algn="ctr">
+              <a:lnSpc>
+                <a:spcPct val="100000"/>
+              </a:lnSpc>
+              <a:spcBef>
+                <a:spcPts val="0"/>
+              </a:spcBef>
+              <a:spcAft>
+                <a:spcPts val="0"/>
+              </a:spcAft>
+              <a:buSzPts val="3600"/>
+              <a:buNone/>
+            </a:pPr>
+            <a:r>
+              <a:rPr b="1" lang="en" sz="2800"/>
+              <a:t>Capstone</a:t>
+            </a:r>
+            <a:endParaRPr sz="2400"/>
+          </a:p>
+          <a:p>
+            <a:pPr indent="0" lvl="0" marL="0" rtl="0" algn="l">
+              <a:lnSpc>
+                <a:spcPct val="100000"/>
+              </a:lnSpc>
+              <a:spcBef>
+                <a:spcPts val="0"/>
+              </a:spcBef>
+              <a:spcAft>
+                <a:spcPts val="0"/>
+              </a:spcAft>
+              <a:buSzPts val="3600"/>
+              <a:buNone/>
+            </a:pPr>
+            <a:r>
+              <a:t/>
+            </a:r>
+            <a:endParaRPr b="1"/>
+          </a:p>
+          <a:p>
+            <a:pPr indent="0" lvl="0" marL="0" rtl="0" algn="l">
+              <a:lnSpc>
+                <a:spcPct val="100000"/>
+              </a:lnSpc>
+              <a:spcBef>
+                <a:spcPts val="0"/>
+              </a:spcBef>
+              <a:spcAft>
+                <a:spcPts val="0"/>
+              </a:spcAft>
+              <a:buSzPts val="3600"/>
+              <a:buNone/>
+            </a:pPr>
+            <a:r>
+              <a:t/>
+            </a:r>
+            <a:endParaRPr b="1"/>
+          </a:p>
+          <a:p>
+            <a:pPr indent="0" lvl="0" marL="0" rtl="0" algn="l">
+              <a:lnSpc>
+                <a:spcPct val="100000"/>
+              </a:lnSpc>
+              <a:spcBef>
+                <a:spcPts val="0"/>
+              </a:spcBef>
+              <a:spcAft>
+                <a:spcPts val="0"/>
+              </a:spcAft>
+              <a:buSzPts val="3600"/>
+              <a:buNone/>
+            </a:pPr>
+            <a:r>
+              <a:rPr lang="en" sz="1600"/>
+              <a:t>I would like to be assigned to a group of 3-4 people</a:t>
+            </a:r>
+            <a:endParaRPr sz="1600"/>
+          </a:p>
+          <a:p>
+            <a:pPr indent="0" lvl="0" marL="0" rtl="0" algn="l">
+              <a:lnSpc>
+                <a:spcPct val="100000"/>
+              </a:lnSpc>
+              <a:spcBef>
+                <a:spcPts val="0"/>
+              </a:spcBef>
+              <a:spcAft>
+                <a:spcPts val="0"/>
+              </a:spcAft>
+              <a:buSzPts val="3600"/>
+              <a:buNone/>
+            </a:pPr>
+            <a:r>
+              <a:rPr lang="en" sz="1600"/>
+              <a:t>I would like to select my own group of 3-4 people</a:t>
+            </a:r>
+            <a:endParaRPr sz="1600"/>
+          </a:p>
+          <a:p>
+            <a:pPr indent="0" lvl="0" marL="0" rtl="0" algn="l">
+              <a:lnSpc>
+                <a:spcPct val="100000"/>
+              </a:lnSpc>
+              <a:spcBef>
+                <a:spcPts val="0"/>
+              </a:spcBef>
+              <a:spcAft>
+                <a:spcPts val="0"/>
+              </a:spcAft>
+              <a:buSzPts val="3600"/>
+              <a:buNone/>
+            </a:pPr>
+            <a:r>
+              <a:t/>
+            </a:r>
+            <a:endParaRPr b="1" sz="2000"/>
+          </a:p>
+          <a:p>
+            <a:pPr indent="0" lvl="0" marL="0" rtl="0" algn="l">
+              <a:lnSpc>
+                <a:spcPct val="100000"/>
+              </a:lnSpc>
+              <a:spcBef>
+                <a:spcPts val="0"/>
+              </a:spcBef>
+              <a:spcAft>
+                <a:spcPts val="0"/>
+              </a:spcAft>
+              <a:buSzPts val="3600"/>
+              <a:buNone/>
+            </a:pPr>
+            <a:r>
+              <a:t/>
+            </a:r>
+            <a:endParaRPr b="1" sz="2000"/>
+          </a:p>
+          <a:p>
+            <a:pPr indent="0" lvl="0" marL="0" rtl="0" algn="l">
+              <a:lnSpc>
+                <a:spcPct val="100000"/>
+              </a:lnSpc>
+              <a:spcBef>
+                <a:spcPts val="0"/>
+              </a:spcBef>
+              <a:spcAft>
+                <a:spcPts val="0"/>
+              </a:spcAft>
+              <a:buSzPts val="3600"/>
+              <a:buNone/>
+            </a:pPr>
+            <a:r>
+              <a:t/>
+            </a:r>
+            <a:endParaRPr b="1" sz="2000"/>
+          </a:p>
+          <a:p>
+            <a:pPr indent="0" lvl="0" marL="0" rtl="0" algn="l">
+              <a:lnSpc>
+                <a:spcPct val="100000"/>
+              </a:lnSpc>
+              <a:spcBef>
+                <a:spcPts val="0"/>
+              </a:spcBef>
+              <a:spcAft>
+                <a:spcPts val="0"/>
+              </a:spcAft>
+              <a:buSzPts val="3600"/>
+              <a:buNone/>
+            </a:pPr>
+            <a:r>
+              <a:t/>
+            </a:r>
+            <a:endParaRPr b="1" sz="2000"/>
+          </a:p>
+        </p:txBody>
+      </p:sp>
+      <p:sp>
+        <p:nvSpPr>
+          <p:cNvPr id="132" name="Google Shape;132;p29"/>
+          <p:cNvSpPr txBox="1"/>
+          <p:nvPr>
+            <p:ph idx="12" type="sldNum"/>
+          </p:nvPr>
+        </p:nvSpPr>
+        <p:spPr>
+          <a:xfrm>
+            <a:off x="8472458" y="4663217"/>
+            <a:ext cx="548700" cy="393600"/>
+          </a:xfrm>
+          <a:prstGeom prst="rect">
+            <a:avLst/>
+          </a:prstGeom>
+        </p:spPr>
+        <p:txBody>
+          <a:bodyPr anchorCtr="0" anchor="ctr" bIns="91425" lIns="91425" spcFirstLastPara="1" rIns="91425" wrap="square" tIns="91425">
+            <a:noAutofit/>
+          </a:bodyPr>
+          <a:lstStyle/>
+          <a:p>
+            <a:pPr indent="0" lvl="0" marL="0" rtl="0" algn="r">
+              <a:spcBef>
+                <a:spcPts val="0"/>
+              </a:spcBef>
+              <a:spcAft>
+                <a:spcPts val="0"/>
+              </a:spcAft>
+              <a:buClr>
+                <a:srgbClr val="000000"/>
+              </a:buClr>
+              <a:buSzPts val="1000"/>
+              <a:buFont typeface="Arial"/>
+              <a:buNone/>
+            </a:pPr>
+            <a:fld id="{00000000-1234-1234-1234-123412341234}" type="slidenum">
+              <a:rPr lang="en"/>
+              <a:t>‹#›</a:t>
+            </a:fld>
+            <a:endParaRPr/>
+          </a:p>
+        </p:txBody>
+      </p:sp>
+    </p:spTree>
+  </p:cSld>
+  <p:clrMapOvr>
+    <a:masterClrMapping/>
+  </p:clrMapOvr>
+</p:sld>
+</file>
+
+<file path=ppt/slides/slide6.xml><?xml version="1.0" encoding="utf-8"?>
+<p:sld xmlns:a="http://schemas.openxmlformats.org/drawingml/2006/main" xmlns:r="http://schemas.openxmlformats.org/officeDocument/2006/relationships" xmlns:mc="http://schemas.openxmlformats.org/markup-compatibility/2006" xmlns:mv="urn:schemas-microsoft-com:mac:vml" xmlns:p="http://schemas.openxmlformats.org/presentationml/2006/main" xmlns:c="http://schemas.openxmlformats.org/drawingml/2006/chart" xmlns:dgm="http://schemas.openxmlformats.org/drawingml/2006/diagram" xmlns:o="urn:schemas-microsoft-com:office:office" xmlns:v="urn:schemas-microsoft-com:vml" xmlns:pvml="urn:schemas-microsoft-com:office:powerpoint" xmlns:com="http://schemas.openxmlformats.org/drawingml/2006/compatibility" xmlns:p14="http://schemas.microsoft.com/office/powerpoint/2010/main" xmlns:p15="http://schemas.microsoft.com/office/powerpoint/2012/main" xmlns:ahyp="http://schemas.microsoft.com/office/drawing/2018/hyperlinkcolor">
+  <p:cSld>
+    <p:spTree>
+      <p:nvGrpSpPr>
+        <p:cNvPr id="136" name="Shape 136"/>
+        <p:cNvGrpSpPr/>
+        <p:nvPr/>
+      </p:nvGrpSpPr>
+      <p:grpSpPr>
+        <a:xfrm>
+          <a:off x="0" y="0"/>
+          <a:ext cx="0" cy="0"/>
+          <a:chOff x="0" y="0"/>
+          <a:chExt cx="0" cy="0"/>
+        </a:xfrm>
+      </p:grpSpPr>
+      <p:sp>
+        <p:nvSpPr>
+          <p:cNvPr id="137" name="Google Shape;137;p30"/>
           <p:cNvSpPr txBox="1"/>
           <p:nvPr>
             <p:ph type="title"/>
@@ -19864,7 +20734,7 @@
       </p:sp>
       <p:sp>
         <p:nvSpPr>
-          <p:cNvPr id="131" name="Google Shape;131;p29"/>
+          <p:cNvPr id="138" name="Google Shape;138;p30"/>
           <p:cNvSpPr txBox="1"/>
           <p:nvPr>
             <p:ph idx="1" type="body"/>
@@ -20154,7 +21024,7 @@
       </p:sp>
       <p:sp>
         <p:nvSpPr>
-          <p:cNvPr id="132" name="Google Shape;132;p29"/>
+          <p:cNvPr id="139" name="Google Shape;139;p30"/>
           <p:cNvSpPr txBox="1"/>
           <p:nvPr>
             <p:ph idx="12" type="sldNum"/>
@@ -20200,12 +21070,12 @@
 </p:sld>
 </file>
 
-<file path=ppt/slides/slide6.xml><?xml version="1.0" encoding="utf-8"?>
+<file path=ppt/slides/slide7.xml><?xml version="1.0" encoding="utf-8"?>
 <p:sld xmlns:a="http://schemas.openxmlformats.org/drawingml/2006/main" xmlns:r="http://schemas.openxmlformats.org/officeDocument/2006/relationships" xmlns:mc="http://schemas.openxmlformats.org/markup-compatibility/2006" xmlns:mv="urn:schemas-microsoft-com:mac:vml" xmlns:p="http://schemas.openxmlformats.org/presentationml/2006/main" xmlns:c="http://schemas.openxmlformats.org/drawingml/2006/chart" xmlns:dgm="http://schemas.openxmlformats.org/drawingml/2006/diagram" xmlns:o="urn:schemas-microsoft-com:office:office" xmlns:v="urn:schemas-microsoft-com:vml" xmlns:pvml="urn:schemas-microsoft-com:office:powerpoint" xmlns:com="http://schemas.openxmlformats.org/drawingml/2006/compatibility" xmlns:p14="http://schemas.microsoft.com/office/powerpoint/2010/main" xmlns:p15="http://schemas.microsoft.com/office/powerpoint/2012/main" xmlns:ahyp="http://schemas.microsoft.com/office/drawing/2018/hyperlinkcolor">
   <p:cSld>
     <p:spTree>
       <p:nvGrpSpPr>
-        <p:cNvPr id="136" name="Shape 136"/>
+        <p:cNvPr id="143" name="Shape 143"/>
         <p:cNvGrpSpPr/>
         <p:nvPr/>
       </p:nvGrpSpPr>
@@ -20219,7 +21089,7 @@
       </p:grpSpPr>
       <p:sp>
         <p:nvSpPr>
-          <p:cNvPr id="137" name="Google Shape;137;p30"/>
+          <p:cNvPr id="144" name="Google Shape;144;p31"/>
           <p:cNvSpPr txBox="1"/>
           <p:nvPr>
             <p:ph type="title"/>
@@ -20267,7 +21137,7 @@
       </p:sp>
       <p:sp>
         <p:nvSpPr>
-          <p:cNvPr id="138" name="Google Shape;138;p30"/>
+          <p:cNvPr id="145" name="Google Shape;145;p31"/>
           <p:cNvSpPr txBox="1"/>
           <p:nvPr>
             <p:ph idx="12" type="sldNum"/>
@@ -20307,7 +21177,7 @@
       </p:sp>
       <p:sp>
         <p:nvSpPr>
-          <p:cNvPr id="139" name="Google Shape;139;p30"/>
+          <p:cNvPr id="146" name="Google Shape;146;p31"/>
           <p:cNvSpPr txBox="1"/>
           <p:nvPr>
             <p:ph idx="1" type="body"/>
@@ -20651,12 +21521,12 @@
 </p:sld>
 </file>
 
-<file path=ppt/slides/slide7.xml><?xml version="1.0" encoding="utf-8"?>
+<file path=ppt/slides/slide8.xml><?xml version="1.0" encoding="utf-8"?>
 <p:sld xmlns:a="http://schemas.openxmlformats.org/drawingml/2006/main" xmlns:r="http://schemas.openxmlformats.org/officeDocument/2006/relationships" xmlns:mc="http://schemas.openxmlformats.org/markup-compatibility/2006" xmlns:mv="urn:schemas-microsoft-com:mac:vml" xmlns:p="http://schemas.openxmlformats.org/presentationml/2006/main" xmlns:c="http://schemas.openxmlformats.org/drawingml/2006/chart" xmlns:dgm="http://schemas.openxmlformats.org/drawingml/2006/diagram" xmlns:o="urn:schemas-microsoft-com:office:office" xmlns:v="urn:schemas-microsoft-com:vml" xmlns:pvml="urn:schemas-microsoft-com:office:powerpoint" xmlns:com="http://schemas.openxmlformats.org/drawingml/2006/compatibility" xmlns:p14="http://schemas.microsoft.com/office/powerpoint/2010/main" xmlns:p15="http://schemas.microsoft.com/office/powerpoint/2012/main" xmlns:ahyp="http://schemas.microsoft.com/office/drawing/2018/hyperlinkcolor">
   <p:cSld>
     <p:spTree>
       <p:nvGrpSpPr>
-        <p:cNvPr id="143" name="Shape 143"/>
+        <p:cNvPr id="150" name="Shape 150"/>
         <p:cNvGrpSpPr/>
         <p:nvPr/>
       </p:nvGrpSpPr>
@@ -20670,7 +21540,7 @@
       </p:grpSpPr>
       <p:sp>
         <p:nvSpPr>
-          <p:cNvPr id="144" name="Google Shape;144;p31"/>
+          <p:cNvPr id="151" name="Google Shape;151;p32"/>
           <p:cNvSpPr/>
           <p:nvPr/>
         </p:nvSpPr>
@@ -20729,7 +21599,7 @@
       </p:sp>
       <p:sp>
         <p:nvSpPr>
-          <p:cNvPr id="145" name="Google Shape;145;p31"/>
+          <p:cNvPr id="152" name="Google Shape;152;p32"/>
           <p:cNvSpPr txBox="1"/>
           <p:nvPr>
             <p:ph type="title"/>
@@ -21004,7 +21874,7 @@
       </p:sp>
       <p:sp>
         <p:nvSpPr>
-          <p:cNvPr id="146" name="Google Shape;146;p31"/>
+          <p:cNvPr id="153" name="Google Shape;153;p32"/>
           <p:cNvSpPr txBox="1"/>
           <p:nvPr>
             <p:ph idx="12" type="sldNum"/>
@@ -21044,180 +21914,6 @@
               <a:t>‹#›</a:t>
             </a:fld>
             <a:endParaRPr/>
-          </a:p>
-        </p:txBody>
-      </p:sp>
-    </p:spTree>
-  </p:cSld>
-  <p:clrMapOvr>
-    <a:masterClrMapping/>
-  </p:clrMapOvr>
-</p:sld>
-</file>
-
-<file path=ppt/slides/slide8.xml><?xml version="1.0" encoding="utf-8"?>
-<p:sld xmlns:a="http://schemas.openxmlformats.org/drawingml/2006/main" xmlns:r="http://schemas.openxmlformats.org/officeDocument/2006/relationships" xmlns:mc="http://schemas.openxmlformats.org/markup-compatibility/2006" xmlns:mv="urn:schemas-microsoft-com:mac:vml" xmlns:p="http://schemas.openxmlformats.org/presentationml/2006/main" xmlns:c="http://schemas.openxmlformats.org/drawingml/2006/chart" xmlns:dgm="http://schemas.openxmlformats.org/drawingml/2006/diagram" xmlns:o="urn:schemas-microsoft-com:office:office" xmlns:v="urn:schemas-microsoft-com:vml" xmlns:pvml="urn:schemas-microsoft-com:office:powerpoint" xmlns:com="http://schemas.openxmlformats.org/drawingml/2006/compatibility" xmlns:p14="http://schemas.microsoft.com/office/powerpoint/2010/main" xmlns:p15="http://schemas.microsoft.com/office/powerpoint/2012/main" xmlns:ahyp="http://schemas.microsoft.com/office/drawing/2018/hyperlinkcolor">
-  <p:cSld>
-    <p:spTree>
-      <p:nvGrpSpPr>
-        <p:cNvPr id="150" name="Shape 150"/>
-        <p:cNvGrpSpPr/>
-        <p:nvPr/>
-      </p:nvGrpSpPr>
-      <p:grpSpPr>
-        <a:xfrm>
-          <a:off x="0" y="0"/>
-          <a:ext cx="0" cy="0"/>
-          <a:chOff x="0" y="0"/>
-          <a:chExt cx="0" cy="0"/>
-        </a:xfrm>
-      </p:grpSpPr>
-      <p:sp>
-        <p:nvSpPr>
-          <p:cNvPr id="151" name="Google Shape;151;p32"/>
-          <p:cNvSpPr txBox="1"/>
-          <p:nvPr>
-            <p:ph type="title"/>
-          </p:nvPr>
-        </p:nvSpPr>
-        <p:spPr>
-          <a:xfrm>
-            <a:off x="311700" y="233775"/>
-            <a:ext cx="8520600" cy="572700"/>
-          </a:xfrm>
-          <a:prstGeom prst="rect">
-            <a:avLst/>
-          </a:prstGeom>
-          <a:noFill/>
-          <a:ln>
-            <a:noFill/>
-          </a:ln>
-        </p:spPr>
-        <p:txBody>
-          <a:bodyPr anchorCtr="0" anchor="t" bIns="91425" lIns="91425" spcFirstLastPara="1" rIns="91425" wrap="square" tIns="91425">
-            <a:noAutofit/>
-          </a:bodyPr>
-          <a:lstStyle/>
-          <a:p>
-            <a:pPr indent="0" lvl="0" marL="0" rtl="0" algn="l">
-              <a:lnSpc>
-                <a:spcPct val="100000"/>
-              </a:lnSpc>
-              <a:spcBef>
-                <a:spcPts val="0"/>
-              </a:spcBef>
-              <a:spcAft>
-                <a:spcPts val="0"/>
-              </a:spcAft>
-              <a:buSzPts val="2800"/>
-              <a:buNone/>
-            </a:pPr>
-            <a:r>
-              <a:rPr lang="en"/>
-              <a:t>Recap of HW4: Demos of Q3 and Q11</a:t>
-            </a:r>
-            <a:endParaRPr/>
-          </a:p>
-        </p:txBody>
-      </p:sp>
-      <p:sp>
-        <p:nvSpPr>
-          <p:cNvPr id="152" name="Google Shape;152;p32"/>
-          <p:cNvSpPr txBox="1"/>
-          <p:nvPr>
-            <p:ph idx="12" type="sldNum"/>
-          </p:nvPr>
-        </p:nvSpPr>
-        <p:spPr>
-          <a:xfrm>
-            <a:off x="8472458" y="4663217"/>
-            <a:ext cx="548700" cy="393600"/>
-          </a:xfrm>
-          <a:prstGeom prst="rect">
-            <a:avLst/>
-          </a:prstGeom>
-        </p:spPr>
-        <p:txBody>
-          <a:bodyPr anchorCtr="0" anchor="ctr" bIns="91425" lIns="91425" spcFirstLastPara="1" rIns="91425" wrap="square" tIns="91425">
-            <a:noAutofit/>
-          </a:bodyPr>
-          <a:lstStyle/>
-          <a:p>
-            <a:pPr indent="0" lvl="0" marL="0" rtl="0" algn="r">
-              <a:spcBef>
-                <a:spcPts val="0"/>
-              </a:spcBef>
-              <a:spcAft>
-                <a:spcPts val="0"/>
-              </a:spcAft>
-              <a:buNone/>
-            </a:pPr>
-            <a:fld id="{00000000-1234-1234-1234-123412341234}" type="slidenum">
-              <a:rPr lang="en"/>
-              <a:t>‹#›</a:t>
-            </a:fld>
-            <a:endParaRPr/>
-          </a:p>
-        </p:txBody>
-      </p:sp>
-      <p:sp>
-        <p:nvSpPr>
-          <p:cNvPr id="153" name="Google Shape;153;p32"/>
-          <p:cNvSpPr txBox="1"/>
-          <p:nvPr>
-            <p:ph idx="1" type="body"/>
-          </p:nvPr>
-        </p:nvSpPr>
-        <p:spPr>
-          <a:xfrm>
-            <a:off x="311700" y="1152475"/>
-            <a:ext cx="8520600" cy="3416400"/>
-          </a:xfrm>
-          <a:prstGeom prst="rect">
-            <a:avLst/>
-          </a:prstGeom>
-          <a:noFill/>
-          <a:ln>
-            <a:noFill/>
-          </a:ln>
-        </p:spPr>
-        <p:txBody>
-          <a:bodyPr anchorCtr="0" anchor="t" bIns="91425" lIns="91425" spcFirstLastPara="1" rIns="91425" wrap="square" tIns="91425">
-            <a:noAutofit/>
-          </a:bodyPr>
-          <a:lstStyle/>
-          <a:p>
-            <a:pPr indent="0" lvl="0" marL="0" rtl="0" algn="l">
-              <a:lnSpc>
-                <a:spcPct val="115000"/>
-              </a:lnSpc>
-              <a:spcBef>
-                <a:spcPts val="0"/>
-              </a:spcBef>
-              <a:spcAft>
-                <a:spcPts val="0"/>
-              </a:spcAft>
-              <a:buNone/>
-            </a:pPr>
-            <a:r>
-              <a:rPr lang="en">
-                <a:solidFill>
-                  <a:srgbClr val="434343"/>
-                </a:solidFill>
-                <a:highlight>
-                  <a:srgbClr val="FFE599"/>
-                </a:highlight>
-              </a:rPr>
-              <a:t>If you’d like to tune out during this section, see Resources page meanwhile</a:t>
-            </a:r>
-            <a:endParaRPr>
-              <a:solidFill>
-                <a:srgbClr val="434343"/>
-              </a:solidFill>
-              <a:highlight>
-                <a:srgbClr val="FFE599"/>
-              </a:highlight>
-            </a:endParaRPr>
           </a:p>
         </p:txBody>
       </p:sp>
@@ -21249,65 +21945,6 @@
       <p:sp>
         <p:nvSpPr>
           <p:cNvPr id="158" name="Google Shape;158;p33"/>
-          <p:cNvSpPr/>
-          <p:nvPr/>
-        </p:nvSpPr>
-        <p:spPr>
-          <a:xfrm>
-            <a:off x="311700" y="347100"/>
-            <a:ext cx="8520600" cy="4449300"/>
-          </a:xfrm>
-          <a:prstGeom prst="rect">
-            <a:avLst/>
-          </a:prstGeom>
-          <a:solidFill>
-            <a:srgbClr val="A4C2F4"/>
-          </a:solidFill>
-          <a:ln>
-            <a:noFill/>
-          </a:ln>
-        </p:spPr>
-        <p:txBody>
-          <a:bodyPr anchorCtr="0" anchor="ctr" bIns="91425" lIns="91425" spcFirstLastPara="1" rIns="91425" wrap="square" tIns="91425">
-            <a:noAutofit/>
-          </a:bodyPr>
-          <a:lstStyle/>
-          <a:p>
-            <a:pPr indent="0" lvl="0" marL="0" marR="0" rtl="0" algn="l">
-              <a:lnSpc>
-                <a:spcPct val="100000"/>
-              </a:lnSpc>
-              <a:spcBef>
-                <a:spcPts val="0"/>
-              </a:spcBef>
-              <a:spcAft>
-                <a:spcPts val="0"/>
-              </a:spcAft>
-              <a:buClr>
-                <a:srgbClr val="000000"/>
-              </a:buClr>
-              <a:buSzPts val="1400"/>
-              <a:buFont typeface="Arial"/>
-              <a:buNone/>
-            </a:pPr>
-            <a:r>
-              <a:t/>
-            </a:r>
-            <a:endParaRPr b="0" i="0" sz="1400" u="none" cap="none" strike="noStrike">
-              <a:solidFill>
-                <a:srgbClr val="000000"/>
-              </a:solidFill>
-              <a:latin typeface="Arial"/>
-              <a:ea typeface="Arial"/>
-              <a:cs typeface="Arial"/>
-              <a:sym typeface="Arial"/>
-            </a:endParaRPr>
-          </a:p>
-        </p:txBody>
-      </p:sp>
-      <p:sp>
-        <p:nvSpPr>
-          <p:cNvPr id="159" name="Google Shape;159;p33"/>
           <p:cNvSpPr txBox="1"/>
           <p:nvPr>
             <p:ph type="title"/>
@@ -21315,8 +21952,8 @@
         </p:nvSpPr>
         <p:spPr>
           <a:xfrm>
-            <a:off x="372850" y="436600"/>
-            <a:ext cx="8520600" cy="3493500"/>
+            <a:off x="311700" y="233775"/>
+            <a:ext cx="8520600" cy="572700"/>
           </a:xfrm>
           <a:prstGeom prst="rect">
             <a:avLst/>
@@ -21346,105 +21983,16 @@
               <a:buNone/>
             </a:pPr>
             <a:r>
-              <a:rPr b="1" lang="en">
-                <a:solidFill>
-                  <a:srgbClr val="434343"/>
-                </a:solidFill>
-              </a:rPr>
-              <a:t>B</a:t>
+              <a:rPr lang="en"/>
+              <a:t>Recap of HW4: Demos of Q3 and Q11</a:t>
             </a:r>
-            <a:r>
-              <a:rPr b="1" lang="en">
-                <a:solidFill>
-                  <a:srgbClr val="434343"/>
-                </a:solidFill>
-              </a:rPr>
-              <a:t>5.aa</a:t>
-            </a:r>
-            <a:r>
-              <a:rPr lang="en">
-                <a:solidFill>
-                  <a:srgbClr val="434343"/>
-                </a:solidFill>
-              </a:rPr>
-              <a:t>: </a:t>
-            </a:r>
-            <a:r>
-              <a:rPr b="1" lang="en">
-                <a:solidFill>
-                  <a:srgbClr val="434343"/>
-                </a:solidFill>
-              </a:rPr>
-              <a:t>Code Review</a:t>
-            </a:r>
-            <a:endParaRPr>
-              <a:solidFill>
-                <a:srgbClr val="434343"/>
-              </a:solidFill>
-            </a:endParaRPr>
-          </a:p>
-          <a:p>
-            <a:pPr indent="0" lvl="0" marL="0" rtl="0" algn="l">
-              <a:lnSpc>
-                <a:spcPct val="100000"/>
-              </a:lnSpc>
-              <a:spcBef>
-                <a:spcPts val="0"/>
-              </a:spcBef>
-              <a:spcAft>
-                <a:spcPts val="0"/>
-              </a:spcAft>
-              <a:buSzPts val="2800"/>
-              <a:buNone/>
-            </a:pPr>
-            <a:br>
-              <a:rPr lang="en" sz="2200">
-                <a:solidFill>
-                  <a:schemeClr val="dk2"/>
-                </a:solidFill>
-              </a:rPr>
-            </a:br>
-            <a:br>
-              <a:rPr lang="en" sz="2200">
-                <a:solidFill>
-                  <a:schemeClr val="dk2"/>
-                </a:solidFill>
-              </a:rPr>
-            </a:br>
-            <a:endParaRPr sz="2200">
-              <a:solidFill>
-                <a:schemeClr val="dk2"/>
-              </a:solidFill>
-            </a:endParaRPr>
-          </a:p>
-          <a:p>
-            <a:pPr indent="0" lvl="0" marL="0" rtl="0" algn="l">
-              <a:lnSpc>
-                <a:spcPct val="100000"/>
-              </a:lnSpc>
-              <a:spcBef>
-                <a:spcPts val="0"/>
-              </a:spcBef>
-              <a:spcAft>
-                <a:spcPts val="0"/>
-              </a:spcAft>
-              <a:buSzPts val="2800"/>
-              <a:buNone/>
-            </a:pPr>
-            <a:r>
-              <a:t/>
-            </a:r>
-            <a:endParaRPr sz="2200">
-              <a:solidFill>
-                <a:schemeClr val="dk2"/>
-              </a:solidFill>
-            </a:endParaRPr>
+            <a:endParaRPr/>
           </a:p>
         </p:txBody>
       </p:sp>
       <p:sp>
         <p:nvSpPr>
-          <p:cNvPr id="160" name="Google Shape;160;p33"/>
+          <p:cNvPr id="159" name="Google Shape;159;p33"/>
           <p:cNvSpPr txBox="1"/>
           <p:nvPr>
             <p:ph idx="12" type="sldNum"/>
@@ -21482,23 +22030,18 @@
           </a:p>
         </p:txBody>
       </p:sp>
-      <p:pic>
-        <p:nvPicPr>
-          <p:cNvPr id="161" name="Google Shape;161;p33"/>
-          <p:cNvPicPr preferRelativeResize="0"/>
-          <p:nvPr/>
-        </p:nvPicPr>
-        <p:blipFill rotWithShape="1">
-          <a:blip r:embed="rId3">
-            <a:alphaModFix/>
-          </a:blip>
-          <a:srcRect b="7952" l="0" r="0" t="0"/>
-          <a:stretch/>
-        </p:blipFill>
+      <p:sp>
+        <p:nvSpPr>
+          <p:cNvPr id="160" name="Google Shape;160;p33"/>
+          <p:cNvSpPr txBox="1"/>
+          <p:nvPr>
+            <p:ph idx="1" type="body"/>
+          </p:nvPr>
+        </p:nvSpPr>
         <p:spPr>
           <a:xfrm>
-            <a:off x="5787700" y="514950"/>
-            <a:ext cx="2882350" cy="860375"/>
+            <a:off x="311700" y="1152475"/>
+            <a:ext cx="8520600" cy="3416400"/>
           </a:xfrm>
           <a:prstGeom prst="rect">
             <a:avLst/>
@@ -21508,7 +22051,46 @@
             <a:noFill/>
           </a:ln>
         </p:spPr>
-      </p:pic>
+        <p:txBody>
+          <a:bodyPr anchorCtr="0" anchor="t" bIns="91425" lIns="91425" spcFirstLastPara="1" rIns="91425" wrap="square" tIns="91425">
+            <a:noAutofit/>
+          </a:bodyPr>
+          <a:lstStyle/>
+          <a:p>
+            <a:pPr indent="0" lvl="0" marL="0" rtl="0" algn="l">
+              <a:lnSpc>
+                <a:spcPct val="115000"/>
+              </a:lnSpc>
+              <a:spcBef>
+                <a:spcPts val="0"/>
+              </a:spcBef>
+              <a:spcAft>
+                <a:spcPts val="0"/>
+              </a:spcAft>
+              <a:buNone/>
+            </a:pPr>
+            <a:r>
+              <a:rPr lang="en">
+                <a:solidFill>
+                  <a:srgbClr val="434343"/>
+                </a:solidFill>
+                <a:highlight>
+                  <a:srgbClr val="FFE599"/>
+                </a:highlight>
+              </a:rPr>
+              <a:t>If you’d like to tune out during this section, see Resources page meanwhile</a:t>
+            </a:r>
+            <a:endParaRPr>
+              <a:solidFill>
+                <a:srgbClr val="434343"/>
+              </a:solidFill>
+              <a:highlight>
+                <a:srgbClr val="FFE599"/>
+              </a:highlight>
+            </a:endParaRPr>
+          </a:p>
+        </p:txBody>
+      </p:sp>
     </p:spTree>
   </p:cSld>
   <p:clrMapOvr>
@@ -21797,6 +22379,285 @@
 </file>
 
 <file path=ppt/theme/theme2.xml><?xml version="1.0" encoding="utf-8"?>
+<a:theme xmlns:a="http://schemas.openxmlformats.org/drawingml/2006/main" xmlns:r="http://schemas.openxmlformats.org/officeDocument/2006/relationships" name="Simple Light">
+  <a:themeElements>
+    <a:clrScheme name="Simple Light">
+      <a:dk1>
+        <a:srgbClr val="000000"/>
+      </a:dk1>
+      <a:lt1>
+        <a:srgbClr val="FFFFFF"/>
+      </a:lt1>
+      <a:dk2>
+        <a:srgbClr val="595959"/>
+      </a:dk2>
+      <a:lt2>
+        <a:srgbClr val="EEEEEE"/>
+      </a:lt2>
+      <a:accent1>
+        <a:srgbClr val="FFAB40"/>
+      </a:accent1>
+      <a:accent2>
+        <a:srgbClr val="212121"/>
+      </a:accent2>
+      <a:accent3>
+        <a:srgbClr val="78909C"/>
+      </a:accent3>
+      <a:accent4>
+        <a:srgbClr val="FFAB40"/>
+      </a:accent4>
+      <a:accent5>
+        <a:srgbClr val="0097A7"/>
+      </a:accent5>
+      <a:accent6>
+        <a:srgbClr val="EEFF41"/>
+      </a:accent6>
+      <a:hlink>
+        <a:srgbClr val="0097A7"/>
+      </a:hlink>
+      <a:folHlink>
+        <a:srgbClr val="0097A7"/>
+      </a:folHlink>
+    </a:clrScheme>
+    <a:fontScheme name="Office">
+      <a:majorFont>
+        <a:latin typeface="Arial"/>
+        <a:ea typeface=""/>
+        <a:cs typeface=""/>
+        <a:font script="Jpan" typeface="ＭＳ Ｐゴシック"/>
+        <a:font script="Hang" typeface="맑은 고딕"/>
+        <a:font script="Hans" typeface="宋体"/>
+        <a:font script="Hant" typeface="新細明體"/>
+        <a:font script="Arab" typeface="Times New Roman"/>
+        <a:font script="Hebr" typeface="Times New Roman"/>
+        <a:font script="Thai" typeface="Angsana New"/>
+        <a:font script="Ethi" typeface="Nyala"/>
+        <a:font script="Beng" typeface="Vrinda"/>
+        <a:font script="Gujr" typeface="Shruti"/>
+        <a:font script="Khmr" typeface="MoolBoran"/>
+        <a:font script="Knda" typeface="Tunga"/>
+        <a:font script="Guru" typeface="Raavi"/>
+        <a:font script="Cans" typeface="Euphemia"/>
+        <a:font script="Cher" typeface="Plantagenet Cherokee"/>
+        <a:font script="Yiii" typeface="Microsoft Yi Baiti"/>
+        <a:font script="Tibt" typeface="Microsoft Himalaya"/>
+        <a:font script="Thaa" typeface="MV Boli"/>
+        <a:font script="Deva" typeface="Mangal"/>
+        <a:font script="Telu" typeface="Gautami"/>
+        <a:font script="Taml" typeface="Latha"/>
+        <a:font script="Syrc" typeface="Estrangelo Edessa"/>
+        <a:font script="Orya" typeface="Kalinga"/>
+        <a:font script="Mlym" typeface="Kartika"/>
+        <a:font script="Laoo" typeface="DokChampa"/>
+        <a:font script="Sinh" typeface="Iskoola Pota"/>
+        <a:font script="Mong" typeface="Mongolian Baiti"/>
+        <a:font script="Viet" typeface="Times New Roman"/>
+        <a:font script="Uigh" typeface="Microsoft Uighur"/>
+        <a:font script="Geor" typeface="Sylfaen"/>
+      </a:majorFont>
+      <a:minorFont>
+        <a:latin typeface="Arial"/>
+        <a:ea typeface=""/>
+        <a:cs typeface=""/>
+        <a:font script="Jpan" typeface="ＭＳ Ｐゴシック"/>
+        <a:font script="Hang" typeface="맑은 고딕"/>
+        <a:font script="Hans" typeface="宋体"/>
+        <a:font script="Hant" typeface="新細明體"/>
+        <a:font script="Arab" typeface="Arial"/>
+        <a:font script="Hebr" typeface="Arial"/>
+        <a:font script="Thai" typeface="Cordia New"/>
+        <a:font script="Ethi" typeface="Nyala"/>
+        <a:font script="Beng" typeface="Vrinda"/>
+        <a:font script="Gujr" typeface="Shruti"/>
+        <a:font script="Khmr" typeface="DaunPenh"/>
+        <a:font script="Knda" typeface="Tunga"/>
+        <a:font script="Guru" typeface="Raavi"/>
+        <a:font script="Cans" typeface="Euphemia"/>
+        <a:font script="Cher" typeface="Plantagenet Cherokee"/>
+        <a:font script="Yiii" typeface="Microsoft Yi Baiti"/>
+        <a:font script="Tibt" typeface="Microsoft Himalaya"/>
+        <a:font script="Thaa" typeface="MV Boli"/>
+        <a:font script="Deva" typeface="Mangal"/>
+        <a:font script="Telu" typeface="Gautami"/>
+        <a:font script="Taml" typeface="Latha"/>
+        <a:font script="Syrc" typeface="Estrangelo Edessa"/>
+        <a:font script="Orya" typeface="Kalinga"/>
+        <a:font script="Mlym" typeface="Kartika"/>
+        <a:font script="Laoo" typeface="DokChampa"/>
+        <a:font script="Sinh" typeface="Iskoola Pota"/>
+        <a:font script="Mong" typeface="Mongolian Baiti"/>
+        <a:font script="Viet" typeface="Arial"/>
+        <a:font script="Uigh" typeface="Microsoft Uighur"/>
+        <a:font script="Geor" typeface="Sylfaen"/>
+      </a:minorFont>
+    </a:fontScheme>
+    <a:fmtScheme name="Office">
+      <a:fillStyleLst>
+        <a:solidFill>
+          <a:schemeClr val="phClr"/>
+        </a:solidFill>
+        <a:gradFill rotWithShape="1">
+          <a:gsLst>
+            <a:gs pos="0">
+              <a:schemeClr val="phClr">
+                <a:tint val="50000"/>
+                <a:satMod val="300000"/>
+              </a:schemeClr>
+            </a:gs>
+            <a:gs pos="35000">
+              <a:schemeClr val="phClr">
+                <a:tint val="37000"/>
+                <a:satMod val="300000"/>
+              </a:schemeClr>
+            </a:gs>
+            <a:gs pos="100000">
+              <a:schemeClr val="phClr">
+                <a:tint val="15000"/>
+                <a:satMod val="350000"/>
+              </a:schemeClr>
+            </a:gs>
+          </a:gsLst>
+          <a:lin ang="16200000" scaled="1"/>
+        </a:gradFill>
+        <a:gradFill rotWithShape="1">
+          <a:gsLst>
+            <a:gs pos="0">
+              <a:schemeClr val="phClr">
+                <a:tint val="100000"/>
+                <a:shade val="100000"/>
+                <a:satMod val="130000"/>
+              </a:schemeClr>
+            </a:gs>
+            <a:gs pos="100000">
+              <a:schemeClr val="phClr">
+                <a:tint val="50000"/>
+                <a:shade val="100000"/>
+                <a:satMod val="350000"/>
+              </a:schemeClr>
+            </a:gs>
+          </a:gsLst>
+          <a:lin ang="16200000" scaled="0"/>
+        </a:gradFill>
+      </a:fillStyleLst>
+      <a:lnStyleLst>
+        <a:ln w="9525" cap="flat" cmpd="sng" algn="ctr">
+          <a:solidFill>
+            <a:schemeClr val="phClr">
+              <a:shade val="95000"/>
+              <a:satMod val="105000"/>
+            </a:schemeClr>
+          </a:solidFill>
+          <a:prstDash val="solid"/>
+        </a:ln>
+        <a:ln w="25400" cap="flat" cmpd="sng" algn="ctr">
+          <a:solidFill>
+            <a:schemeClr val="phClr"/>
+          </a:solidFill>
+          <a:prstDash val="solid"/>
+        </a:ln>
+        <a:ln w="38100" cap="flat" cmpd="sng" algn="ctr">
+          <a:solidFill>
+            <a:schemeClr val="phClr"/>
+          </a:solidFill>
+          <a:prstDash val="solid"/>
+        </a:ln>
+      </a:lnStyleLst>
+      <a:effectStyleLst>
+        <a:effectStyle>
+          <a:effectLst>
+            <a:outerShdw blurRad="40000" dist="20000" dir="5400000" rotWithShape="0">
+              <a:srgbClr val="000000">
+                <a:alpha val="38000"/>
+              </a:srgbClr>
+            </a:outerShdw>
+          </a:effectLst>
+        </a:effectStyle>
+        <a:effectStyle>
+          <a:effectLst>
+            <a:outerShdw blurRad="40000" dist="23000" dir="5400000" rotWithShape="0">
+              <a:srgbClr val="000000">
+                <a:alpha val="35000"/>
+              </a:srgbClr>
+            </a:outerShdw>
+          </a:effectLst>
+        </a:effectStyle>
+        <a:effectStyle>
+          <a:effectLst>
+            <a:outerShdw blurRad="40000" dist="23000" dir="5400000" rotWithShape="0">
+              <a:srgbClr val="000000">
+                <a:alpha val="35000"/>
+              </a:srgbClr>
+            </a:outerShdw>
+          </a:effectLst>
+          <a:scene3d>
+            <a:camera prst="orthographicFront">
+              <a:rot lat="0" lon="0" rev="0"/>
+            </a:camera>
+            <a:lightRig rig="threePt" dir="t">
+              <a:rot lat="0" lon="0" rev="1200000"/>
+            </a:lightRig>
+          </a:scene3d>
+          <a:sp3d>
+            <a:bevelT w="63500" h="25400"/>
+          </a:sp3d>
+        </a:effectStyle>
+      </a:effectStyleLst>
+      <a:bgFillStyleLst>
+        <a:solidFill>
+          <a:schemeClr val="phClr"/>
+        </a:solidFill>
+        <a:gradFill rotWithShape="1">
+          <a:gsLst>
+            <a:gs pos="0">
+              <a:schemeClr val="phClr">
+                <a:tint val="40000"/>
+                <a:satMod val="350000"/>
+              </a:schemeClr>
+            </a:gs>
+            <a:gs pos="40000">
+              <a:schemeClr val="phClr">
+                <a:tint val="45000"/>
+                <a:shade val="99000"/>
+                <a:satMod val="350000"/>
+              </a:schemeClr>
+            </a:gs>
+            <a:gs pos="100000">
+              <a:schemeClr val="phClr">
+                <a:shade val="20000"/>
+                <a:satMod val="255000"/>
+              </a:schemeClr>
+            </a:gs>
+          </a:gsLst>
+          <a:path path="circle">
+            <a:fillToRect l="50000" t="-80000" r="50000" b="180000"/>
+          </a:path>
+        </a:gradFill>
+        <a:gradFill rotWithShape="1">
+          <a:gsLst>
+            <a:gs pos="0">
+              <a:schemeClr val="phClr">
+                <a:tint val="80000"/>
+                <a:satMod val="300000"/>
+              </a:schemeClr>
+            </a:gs>
+            <a:gs pos="100000">
+              <a:schemeClr val="phClr">
+                <a:shade val="30000"/>
+                <a:satMod val="200000"/>
+              </a:schemeClr>
+            </a:gs>
+          </a:gsLst>
+          <a:path path="circle">
+            <a:fillToRect l="50000" t="50000" r="50000" b="50000"/>
+          </a:path>
+        </a:gradFill>
+      </a:bgFillStyleLst>
+    </a:fmtScheme>
+  </a:themeElements>
+</a:theme>
+</file>
+
+<file path=ppt/theme/theme3.xml><?xml version="1.0" encoding="utf-8"?>
 <a:theme xmlns:a="http://schemas.openxmlformats.org/drawingml/2006/main" xmlns:r="http://schemas.openxmlformats.org/officeDocument/2006/relationships">
   <a:themeElements>
     <a:clrScheme name="Default">
@@ -22073,283 +22934,4 @@
     </a:fmtScheme>
   </a:themeElements>
 </a:theme>
-</file>
-
-<file path=ppt/theme/theme3.xml><?xml version="1.0" encoding="utf-8"?>
-<a:theme xmlns:a="http://schemas.openxmlformats.org/drawingml/2006/main" xmlns:r="http://schemas.openxmlformats.org/officeDocument/2006/relationships" name="Simple Light">
-  <a:themeElements>
-    <a:clrScheme name="Simple Light">
-      <a:dk1>
-        <a:srgbClr val="000000"/>
-      </a:dk1>
-      <a:lt1>
-        <a:srgbClr val="FFFFFF"/>
-      </a:lt1>
-      <a:dk2>
-        <a:srgbClr val="595959"/>
-      </a:dk2>
-      <a:lt2>
-        <a:srgbClr val="EEEEEE"/>
-      </a:lt2>
-      <a:accent1>
-        <a:srgbClr val="FFAB40"/>
-      </a:accent1>
-      <a:accent2>
-        <a:srgbClr val="212121"/>
-      </a:accent2>
-      <a:accent3>
-        <a:srgbClr val="78909C"/>
-      </a:accent3>
-      <a:accent4>
-        <a:srgbClr val="FFAB40"/>
-      </a:accent4>
-      <a:accent5>
-        <a:srgbClr val="0097A7"/>
-      </a:accent5>
-      <a:accent6>
-        <a:srgbClr val="EEFF41"/>
-      </a:accent6>
-      <a:hlink>
-        <a:srgbClr val="0097A7"/>
-      </a:hlink>
-      <a:folHlink>
-        <a:srgbClr val="0097A7"/>
-      </a:folHlink>
-    </a:clrScheme>
-    <a:fontScheme name="Office">
-      <a:majorFont>
-        <a:latin typeface="Arial"/>
-        <a:ea typeface=""/>
-        <a:cs typeface=""/>
-        <a:font script="Jpan" typeface="ＭＳ Ｐゴシック"/>
-        <a:font script="Hang" typeface="맑은 고딕"/>
-        <a:font script="Hans" typeface="宋体"/>
-        <a:font script="Hant" typeface="新細明體"/>
-        <a:font script="Arab" typeface="Times New Roman"/>
-        <a:font script="Hebr" typeface="Times New Roman"/>
-        <a:font script="Thai" typeface="Angsana New"/>
-        <a:font script="Ethi" typeface="Nyala"/>
-        <a:font script="Beng" typeface="Vrinda"/>
-        <a:font script="Gujr" typeface="Shruti"/>
-        <a:font script="Khmr" typeface="MoolBoran"/>
-        <a:font script="Knda" typeface="Tunga"/>
-        <a:font script="Guru" typeface="Raavi"/>
-        <a:font script="Cans" typeface="Euphemia"/>
-        <a:font script="Cher" typeface="Plantagenet Cherokee"/>
-        <a:font script="Yiii" typeface="Microsoft Yi Baiti"/>
-        <a:font script="Tibt" typeface="Microsoft Himalaya"/>
-        <a:font script="Thaa" typeface="MV Boli"/>
-        <a:font script="Deva" typeface="Mangal"/>
-        <a:font script="Telu" typeface="Gautami"/>
-        <a:font script="Taml" typeface="Latha"/>
-        <a:font script="Syrc" typeface="Estrangelo Edessa"/>
-        <a:font script="Orya" typeface="Kalinga"/>
-        <a:font script="Mlym" typeface="Kartika"/>
-        <a:font script="Laoo" typeface="DokChampa"/>
-        <a:font script="Sinh" typeface="Iskoola Pota"/>
-        <a:font script="Mong" typeface="Mongolian Baiti"/>
-        <a:font script="Viet" typeface="Times New Roman"/>
-        <a:font script="Uigh" typeface="Microsoft Uighur"/>
-        <a:font script="Geor" typeface="Sylfaen"/>
-      </a:majorFont>
-      <a:minorFont>
-        <a:latin typeface="Arial"/>
-        <a:ea typeface=""/>
-        <a:cs typeface=""/>
-        <a:font script="Jpan" typeface="ＭＳ Ｐゴシック"/>
-        <a:font script="Hang" typeface="맑은 고딕"/>
-        <a:font script="Hans" typeface="宋体"/>
-        <a:font script="Hant" typeface="新細明體"/>
-        <a:font script="Arab" typeface="Arial"/>
-        <a:font script="Hebr" typeface="Arial"/>
-        <a:font script="Thai" typeface="Cordia New"/>
-        <a:font script="Ethi" typeface="Nyala"/>
-        <a:font script="Beng" typeface="Vrinda"/>
-        <a:font script="Gujr" typeface="Shruti"/>
-        <a:font script="Khmr" typeface="DaunPenh"/>
-        <a:font script="Knda" typeface="Tunga"/>
-        <a:font script="Guru" typeface="Raavi"/>
-        <a:font script="Cans" typeface="Euphemia"/>
-        <a:font script="Cher" typeface="Plantagenet Cherokee"/>
-        <a:font script="Yiii" typeface="Microsoft Yi Baiti"/>
-        <a:font script="Tibt" typeface="Microsoft Himalaya"/>
-        <a:font script="Thaa" typeface="MV Boli"/>
-        <a:font script="Deva" typeface="Mangal"/>
-        <a:font script="Telu" typeface="Gautami"/>
-        <a:font script="Taml" typeface="Latha"/>
-        <a:font script="Syrc" typeface="Estrangelo Edessa"/>
-        <a:font script="Orya" typeface="Kalinga"/>
-        <a:font script="Mlym" typeface="Kartika"/>
-        <a:font script="Laoo" typeface="DokChampa"/>
-        <a:font script="Sinh" typeface="Iskoola Pota"/>
-        <a:font script="Mong" typeface="Mongolian Baiti"/>
-        <a:font script="Viet" typeface="Arial"/>
-        <a:font script="Uigh" typeface="Microsoft Uighur"/>
-        <a:font script="Geor" typeface="Sylfaen"/>
-      </a:minorFont>
-    </a:fontScheme>
-    <a:fmtScheme name="Office">
-      <a:fillStyleLst>
-        <a:solidFill>
-          <a:schemeClr val="phClr"/>
-        </a:solidFill>
-        <a:gradFill rotWithShape="1">
-          <a:gsLst>
-            <a:gs pos="0">
-              <a:schemeClr val="phClr">
-                <a:tint val="50000"/>
-                <a:satMod val="300000"/>
-              </a:schemeClr>
-            </a:gs>
-            <a:gs pos="35000">
-              <a:schemeClr val="phClr">
-                <a:tint val="37000"/>
-                <a:satMod val="300000"/>
-              </a:schemeClr>
-            </a:gs>
-            <a:gs pos="100000">
-              <a:schemeClr val="phClr">
-                <a:tint val="15000"/>
-                <a:satMod val="350000"/>
-              </a:schemeClr>
-            </a:gs>
-          </a:gsLst>
-          <a:lin ang="16200000" scaled="1"/>
-        </a:gradFill>
-        <a:gradFill rotWithShape="1">
-          <a:gsLst>
-            <a:gs pos="0">
-              <a:schemeClr val="phClr">
-                <a:tint val="100000"/>
-                <a:shade val="100000"/>
-                <a:satMod val="130000"/>
-              </a:schemeClr>
-            </a:gs>
-            <a:gs pos="100000">
-              <a:schemeClr val="phClr">
-                <a:tint val="50000"/>
-                <a:shade val="100000"/>
-                <a:satMod val="350000"/>
-              </a:schemeClr>
-            </a:gs>
-          </a:gsLst>
-          <a:lin ang="16200000" scaled="0"/>
-        </a:gradFill>
-      </a:fillStyleLst>
-      <a:lnStyleLst>
-        <a:ln w="9525" cap="flat" cmpd="sng" algn="ctr">
-          <a:solidFill>
-            <a:schemeClr val="phClr">
-              <a:shade val="95000"/>
-              <a:satMod val="105000"/>
-            </a:schemeClr>
-          </a:solidFill>
-          <a:prstDash val="solid"/>
-        </a:ln>
-        <a:ln w="25400" cap="flat" cmpd="sng" algn="ctr">
-          <a:solidFill>
-            <a:schemeClr val="phClr"/>
-          </a:solidFill>
-          <a:prstDash val="solid"/>
-        </a:ln>
-        <a:ln w="38100" cap="flat" cmpd="sng" algn="ctr">
-          <a:solidFill>
-            <a:schemeClr val="phClr"/>
-          </a:solidFill>
-          <a:prstDash val="solid"/>
-        </a:ln>
-      </a:lnStyleLst>
-      <a:effectStyleLst>
-        <a:effectStyle>
-          <a:effectLst>
-            <a:outerShdw blurRad="40000" dist="20000" dir="5400000" rotWithShape="0">
-              <a:srgbClr val="000000">
-                <a:alpha val="38000"/>
-              </a:srgbClr>
-            </a:outerShdw>
-          </a:effectLst>
-        </a:effectStyle>
-        <a:effectStyle>
-          <a:effectLst>
-            <a:outerShdw blurRad="40000" dist="23000" dir="5400000" rotWithShape="0">
-              <a:srgbClr val="000000">
-                <a:alpha val="35000"/>
-              </a:srgbClr>
-            </a:outerShdw>
-          </a:effectLst>
-        </a:effectStyle>
-        <a:effectStyle>
-          <a:effectLst>
-            <a:outerShdw blurRad="40000" dist="23000" dir="5400000" rotWithShape="0">
-              <a:srgbClr val="000000">
-                <a:alpha val="35000"/>
-              </a:srgbClr>
-            </a:outerShdw>
-          </a:effectLst>
-          <a:scene3d>
-            <a:camera prst="orthographicFront">
-              <a:rot lat="0" lon="0" rev="0"/>
-            </a:camera>
-            <a:lightRig rig="threePt" dir="t">
-              <a:rot lat="0" lon="0" rev="1200000"/>
-            </a:lightRig>
-          </a:scene3d>
-          <a:sp3d>
-            <a:bevelT w="63500" h="25400"/>
-          </a:sp3d>
-        </a:effectStyle>
-      </a:effectStyleLst>
-      <a:bgFillStyleLst>
-        <a:solidFill>
-          <a:schemeClr val="phClr"/>
-        </a:solidFill>
-        <a:gradFill rotWithShape="1">
-          <a:gsLst>
-            <a:gs pos="0">
-              <a:schemeClr val="phClr">
-                <a:tint val="40000"/>
-                <a:satMod val="350000"/>
-              </a:schemeClr>
-            </a:gs>
-            <a:gs pos="40000">
-              <a:schemeClr val="phClr">
-                <a:tint val="45000"/>
-                <a:shade val="99000"/>
-                <a:satMod val="350000"/>
-              </a:schemeClr>
-            </a:gs>
-            <a:gs pos="100000">
-              <a:schemeClr val="phClr">
-                <a:shade val="20000"/>
-                <a:satMod val="255000"/>
-              </a:schemeClr>
-            </a:gs>
-          </a:gsLst>
-          <a:path path="circle">
-            <a:fillToRect l="50000" t="-80000" r="50000" b="180000"/>
-          </a:path>
-        </a:gradFill>
-        <a:gradFill rotWithShape="1">
-          <a:gsLst>
-            <a:gs pos="0">
-              <a:schemeClr val="phClr">
-                <a:tint val="80000"/>
-                <a:satMod val="300000"/>
-              </a:schemeClr>
-            </a:gs>
-            <a:gs pos="100000">
-              <a:schemeClr val="phClr">
-                <a:shade val="30000"/>
-                <a:satMod val="200000"/>
-              </a:schemeClr>
-            </a:gs>
-          </a:gsLst>
-          <a:path path="circle">
-            <a:fillToRect l="50000" t="50000" r="50000" b="50000"/>
-          </a:path>
-        </a:gradFill>
-      </a:bgFillStyleLst>
-    </a:fmtScheme>
-  </a:themeElements>
-</a:theme>
 </file>